--- a/rgmapping.pptx
+++ b/rgmapping.pptx
@@ -2,12 +2,12 @@
 <file path=ppt/presentation.xml><?xml version="1.0" encoding="utf-8"?>
 <p:presentation xmlns:a="http://schemas.openxmlformats.org/drawingml/2006/main" xmlns:r="http://schemas.openxmlformats.org/officeDocument/2006/relationships" xmlns:p="http://schemas.openxmlformats.org/presentationml/2006/main" saveSubsetFonts="1" autoCompressPictures="0">
   <p:sldMasterIdLst>
-    <p:sldMasterId id="2147483672" r:id="rId1"/>
+    <p:sldMasterId id="2147483684" r:id="rId1"/>
   </p:sldMasterIdLst>
   <p:sldIdLst>
     <p:sldId id="256" r:id="rId2"/>
   </p:sldIdLst>
-  <p:sldSz cx="35999738" cy="14400213"/>
+  <p:sldSz cx="43200638" cy="14400213"/>
   <p:notesSz cx="6858000" cy="9144000"/>
   <p:defaultTextStyle>
     <a:defPPr>
@@ -136,8 +136,8 @@
         </p:nvSpPr>
         <p:spPr>
           <a:xfrm>
-            <a:off x="4499967" y="2356703"/>
-            <a:ext cx="26999804" cy="5013407"/>
+            <a:off x="5400080" y="2356703"/>
+            <a:ext cx="32400479" cy="5013407"/>
           </a:xfrm>
         </p:spPr>
         <p:txBody>
@@ -168,8 +168,8 @@
         </p:nvSpPr>
         <p:spPr>
           <a:xfrm>
-            <a:off x="4499967" y="7563446"/>
-            <a:ext cx="26999804" cy="3476717"/>
+            <a:off x="5400080" y="7563446"/>
+            <a:ext cx="32400479" cy="3476717"/>
           </a:xfrm>
         </p:spPr>
         <p:txBody>
@@ -289,7 +289,7 @@
     </p:spTree>
     <p:extLst>
       <p:ext uri="{BB962C8B-B14F-4D97-AF65-F5344CB8AC3E}">
-        <p14:creationId xmlns:p14="http://schemas.microsoft.com/office/powerpoint/2010/main" val="3021908369"/>
+        <p14:creationId xmlns:p14="http://schemas.microsoft.com/office/powerpoint/2010/main" val="1632904355"/>
       </p:ext>
     </p:extLst>
   </p:cSld>
@@ -459,7 +459,7 @@
     </p:spTree>
     <p:extLst>
       <p:ext uri="{BB962C8B-B14F-4D97-AF65-F5344CB8AC3E}">
-        <p14:creationId xmlns:p14="http://schemas.microsoft.com/office/powerpoint/2010/main" val="4182601518"/>
+        <p14:creationId xmlns:p14="http://schemas.microsoft.com/office/powerpoint/2010/main" val="2241630344"/>
       </p:ext>
     </p:extLst>
   </p:cSld>
@@ -498,8 +498,8 @@
         </p:nvSpPr>
         <p:spPr>
           <a:xfrm>
-            <a:off x="25762312" y="766678"/>
-            <a:ext cx="7762444" cy="12203515"/>
+            <a:off x="30915456" y="766678"/>
+            <a:ext cx="9315138" cy="12203515"/>
           </a:xfrm>
         </p:spPr>
         <p:txBody>
@@ -526,8 +526,8 @@
         </p:nvSpPr>
         <p:spPr>
           <a:xfrm>
-            <a:off x="2474982" y="766678"/>
-            <a:ext cx="22837334" cy="12203515"/>
+            <a:off x="2970044" y="766678"/>
+            <a:ext cx="27405405" cy="12203515"/>
           </a:xfrm>
         </p:spPr>
         <p:txBody>
@@ -639,7 +639,7 @@
     </p:spTree>
     <p:extLst>
       <p:ext uri="{BB962C8B-B14F-4D97-AF65-F5344CB8AC3E}">
-        <p14:creationId xmlns:p14="http://schemas.microsoft.com/office/powerpoint/2010/main" val="2953229442"/>
+        <p14:creationId xmlns:p14="http://schemas.microsoft.com/office/powerpoint/2010/main" val="2137836338"/>
       </p:ext>
     </p:extLst>
   </p:cSld>
@@ -809,7 +809,7 @@
     </p:spTree>
     <p:extLst>
       <p:ext uri="{BB962C8B-B14F-4D97-AF65-F5344CB8AC3E}">
-        <p14:creationId xmlns:p14="http://schemas.microsoft.com/office/powerpoint/2010/main" val="2694262519"/>
+        <p14:creationId xmlns:p14="http://schemas.microsoft.com/office/powerpoint/2010/main" val="3633695521"/>
       </p:ext>
     </p:extLst>
   </p:cSld>
@@ -848,8 +848,8 @@
         </p:nvSpPr>
         <p:spPr>
           <a:xfrm>
-            <a:off x="2456232" y="3590055"/>
-            <a:ext cx="31049774" cy="5990088"/>
+            <a:off x="2947544" y="3590055"/>
+            <a:ext cx="37260550" cy="5990088"/>
           </a:xfrm>
         </p:spPr>
         <p:txBody>
@@ -880,8 +880,8 @@
         </p:nvSpPr>
         <p:spPr>
           <a:xfrm>
-            <a:off x="2456232" y="9636811"/>
-            <a:ext cx="31049774" cy="3150046"/>
+            <a:off x="2947544" y="9636811"/>
+            <a:ext cx="37260550" cy="3150046"/>
           </a:xfrm>
         </p:spPr>
         <p:txBody>
@@ -1055,7 +1055,7 @@
     </p:spTree>
     <p:extLst>
       <p:ext uri="{BB962C8B-B14F-4D97-AF65-F5344CB8AC3E}">
-        <p14:creationId xmlns:p14="http://schemas.microsoft.com/office/powerpoint/2010/main" val="1849142153"/>
+        <p14:creationId xmlns:p14="http://schemas.microsoft.com/office/powerpoint/2010/main" val="2314997909"/>
       </p:ext>
     </p:extLst>
   </p:cSld>
@@ -1117,8 +1117,8 @@
         </p:nvSpPr>
         <p:spPr>
           <a:xfrm>
-            <a:off x="2474982" y="3833390"/>
-            <a:ext cx="15299889" cy="9136803"/>
+            <a:off x="2970044" y="3833390"/>
+            <a:ext cx="18360271" cy="9136803"/>
           </a:xfrm>
         </p:spPr>
         <p:txBody>
@@ -1174,8 +1174,8 @@
         </p:nvSpPr>
         <p:spPr>
           <a:xfrm>
-            <a:off x="18224867" y="3833390"/>
-            <a:ext cx="15299889" cy="9136803"/>
+            <a:off x="21870323" y="3833390"/>
+            <a:ext cx="18360271" cy="9136803"/>
           </a:xfrm>
         </p:spPr>
         <p:txBody>
@@ -1287,7 +1287,7 @@
     </p:spTree>
     <p:extLst>
       <p:ext uri="{BB962C8B-B14F-4D97-AF65-F5344CB8AC3E}">
-        <p14:creationId xmlns:p14="http://schemas.microsoft.com/office/powerpoint/2010/main" val="2866854901"/>
+        <p14:creationId xmlns:p14="http://schemas.microsoft.com/office/powerpoint/2010/main" val="3544072596"/>
       </p:ext>
     </p:extLst>
   </p:cSld>
@@ -1326,8 +1326,8 @@
         </p:nvSpPr>
         <p:spPr>
           <a:xfrm>
-            <a:off x="2479671" y="766679"/>
-            <a:ext cx="31049774" cy="2783376"/>
+            <a:off x="2975671" y="766679"/>
+            <a:ext cx="37260550" cy="2783376"/>
           </a:xfrm>
         </p:spPr>
         <p:txBody>
@@ -1354,8 +1354,8 @@
         </p:nvSpPr>
         <p:spPr>
           <a:xfrm>
-            <a:off x="2479672" y="3530053"/>
-            <a:ext cx="15229575" cy="1730025"/>
+            <a:off x="2975673" y="3530053"/>
+            <a:ext cx="18275893" cy="1730025"/>
           </a:xfrm>
         </p:spPr>
         <p:txBody>
@@ -1419,8 +1419,8 @@
         </p:nvSpPr>
         <p:spPr>
           <a:xfrm>
-            <a:off x="2479672" y="5260078"/>
-            <a:ext cx="15229575" cy="7736782"/>
+            <a:off x="2975673" y="5260078"/>
+            <a:ext cx="18275893" cy="7736782"/>
           </a:xfrm>
         </p:spPr>
         <p:txBody>
@@ -1476,8 +1476,8 @@
         </p:nvSpPr>
         <p:spPr>
           <a:xfrm>
-            <a:off x="18224867" y="3530053"/>
-            <a:ext cx="15304578" cy="1730025"/>
+            <a:off x="21870323" y="3530053"/>
+            <a:ext cx="18365898" cy="1730025"/>
           </a:xfrm>
         </p:spPr>
         <p:txBody>
@@ -1541,8 +1541,8 @@
         </p:nvSpPr>
         <p:spPr>
           <a:xfrm>
-            <a:off x="18224867" y="5260078"/>
-            <a:ext cx="15304578" cy="7736782"/>
+            <a:off x="21870323" y="5260078"/>
+            <a:ext cx="18365898" cy="7736782"/>
           </a:xfrm>
         </p:spPr>
         <p:txBody>
@@ -1654,7 +1654,7 @@
     </p:spTree>
     <p:extLst>
       <p:ext uri="{BB962C8B-B14F-4D97-AF65-F5344CB8AC3E}">
-        <p14:creationId xmlns:p14="http://schemas.microsoft.com/office/powerpoint/2010/main" val="3940009223"/>
+        <p14:creationId xmlns:p14="http://schemas.microsoft.com/office/powerpoint/2010/main" val="1827421501"/>
       </p:ext>
     </p:extLst>
   </p:cSld>
@@ -1772,7 +1772,7 @@
     </p:spTree>
     <p:extLst>
       <p:ext uri="{BB962C8B-B14F-4D97-AF65-F5344CB8AC3E}">
-        <p14:creationId xmlns:p14="http://schemas.microsoft.com/office/powerpoint/2010/main" val="2889298631"/>
+        <p14:creationId xmlns:p14="http://schemas.microsoft.com/office/powerpoint/2010/main" val="2289987329"/>
       </p:ext>
     </p:extLst>
   </p:cSld>
@@ -1867,7 +1867,7 @@
     </p:spTree>
     <p:extLst>
       <p:ext uri="{BB962C8B-B14F-4D97-AF65-F5344CB8AC3E}">
-        <p14:creationId xmlns:p14="http://schemas.microsoft.com/office/powerpoint/2010/main" val="2192976545"/>
+        <p14:creationId xmlns:p14="http://schemas.microsoft.com/office/powerpoint/2010/main" val="2437430363"/>
       </p:ext>
     </p:extLst>
   </p:cSld>
@@ -1906,8 +1906,8 @@
         </p:nvSpPr>
         <p:spPr>
           <a:xfrm>
-            <a:off x="2479672" y="960014"/>
-            <a:ext cx="11610852" cy="3360050"/>
+            <a:off x="2975672" y="960014"/>
+            <a:ext cx="13933329" cy="3360050"/>
           </a:xfrm>
         </p:spPr>
         <p:txBody>
@@ -1938,8 +1938,8 @@
         </p:nvSpPr>
         <p:spPr>
           <a:xfrm>
-            <a:off x="15304578" y="2073365"/>
-            <a:ext cx="18224867" cy="10233485"/>
+            <a:off x="18365898" y="2073365"/>
+            <a:ext cx="21870323" cy="10233485"/>
           </a:xfrm>
         </p:spPr>
         <p:txBody>
@@ -2023,8 +2023,8 @@
         </p:nvSpPr>
         <p:spPr>
           <a:xfrm>
-            <a:off x="2479672" y="4320064"/>
-            <a:ext cx="11610852" cy="8003453"/>
+            <a:off x="2975672" y="4320064"/>
+            <a:ext cx="13933329" cy="8003453"/>
           </a:xfrm>
         </p:spPr>
         <p:txBody>
@@ -2144,7 +2144,7 @@
     </p:spTree>
     <p:extLst>
       <p:ext uri="{BB962C8B-B14F-4D97-AF65-F5344CB8AC3E}">
-        <p14:creationId xmlns:p14="http://schemas.microsoft.com/office/powerpoint/2010/main" val="99471418"/>
+        <p14:creationId xmlns:p14="http://schemas.microsoft.com/office/powerpoint/2010/main" val="4057346214"/>
       </p:ext>
     </p:extLst>
   </p:cSld>
@@ -2183,8 +2183,8 @@
         </p:nvSpPr>
         <p:spPr>
           <a:xfrm>
-            <a:off x="2479672" y="960014"/>
-            <a:ext cx="11610852" cy="3360050"/>
+            <a:off x="2975672" y="960014"/>
+            <a:ext cx="13933329" cy="3360050"/>
           </a:xfrm>
         </p:spPr>
         <p:txBody>
@@ -2215,8 +2215,8 @@
         </p:nvSpPr>
         <p:spPr>
           <a:xfrm>
-            <a:off x="15304578" y="2073365"/>
-            <a:ext cx="18224867" cy="10233485"/>
+            <a:off x="18365898" y="2073365"/>
+            <a:ext cx="21870323" cy="10233485"/>
           </a:xfrm>
         </p:spPr>
         <p:txBody>
@@ -2280,8 +2280,8 @@
         </p:nvSpPr>
         <p:spPr>
           <a:xfrm>
-            <a:off x="2479672" y="4320064"/>
-            <a:ext cx="11610852" cy="8003453"/>
+            <a:off x="2975672" y="4320064"/>
+            <a:ext cx="13933329" cy="8003453"/>
           </a:xfrm>
         </p:spPr>
         <p:txBody>
@@ -2401,7 +2401,7 @@
     </p:spTree>
     <p:extLst>
       <p:ext uri="{BB962C8B-B14F-4D97-AF65-F5344CB8AC3E}">
-        <p14:creationId xmlns:p14="http://schemas.microsoft.com/office/powerpoint/2010/main" val="3342124980"/>
+        <p14:creationId xmlns:p14="http://schemas.microsoft.com/office/powerpoint/2010/main" val="4057837696"/>
       </p:ext>
     </p:extLst>
   </p:cSld>
@@ -2445,8 +2445,8 @@
         </p:nvSpPr>
         <p:spPr>
           <a:xfrm>
-            <a:off x="2474982" y="766679"/>
-            <a:ext cx="31049774" cy="2783376"/>
+            <a:off x="2970044" y="766679"/>
+            <a:ext cx="37260550" cy="2783376"/>
           </a:xfrm>
           <a:prstGeom prst="rect">
             <a:avLst/>
@@ -2478,8 +2478,8 @@
         </p:nvSpPr>
         <p:spPr>
           <a:xfrm>
-            <a:off x="2474982" y="3833390"/>
-            <a:ext cx="31049774" cy="9136803"/>
+            <a:off x="2970044" y="3833390"/>
+            <a:ext cx="37260550" cy="9136803"/>
           </a:xfrm>
           <a:prstGeom prst="rect">
             <a:avLst/>
@@ -2540,8 +2540,8 @@
         </p:nvSpPr>
         <p:spPr>
           <a:xfrm>
-            <a:off x="2474982" y="13346865"/>
-            <a:ext cx="8099941" cy="766678"/>
+            <a:off x="2970044" y="13346865"/>
+            <a:ext cx="9720144" cy="766678"/>
           </a:xfrm>
           <a:prstGeom prst="rect">
             <a:avLst/>
@@ -2581,8 +2581,8 @@
         </p:nvSpPr>
         <p:spPr>
           <a:xfrm>
-            <a:off x="11924913" y="13346865"/>
-            <a:ext cx="12149912" cy="766678"/>
+            <a:off x="14310212" y="13346865"/>
+            <a:ext cx="14580215" cy="766678"/>
           </a:xfrm>
           <a:prstGeom prst="rect">
             <a:avLst/>
@@ -2618,8 +2618,8 @@
         </p:nvSpPr>
         <p:spPr>
           <a:xfrm>
-            <a:off x="25424815" y="13346865"/>
-            <a:ext cx="8099941" cy="766678"/>
+            <a:off x="30510450" y="13346865"/>
+            <a:ext cx="9720144" cy="766678"/>
           </a:xfrm>
           <a:prstGeom prst="rect">
             <a:avLst/>
@@ -2650,23 +2650,23 @@
     </p:spTree>
     <p:extLst>
       <p:ext uri="{BB962C8B-B14F-4D97-AF65-F5344CB8AC3E}">
-        <p14:creationId xmlns:p14="http://schemas.microsoft.com/office/powerpoint/2010/main" val="1701845698"/>
+        <p14:creationId xmlns:p14="http://schemas.microsoft.com/office/powerpoint/2010/main" val="3269272631"/>
       </p:ext>
     </p:extLst>
   </p:cSld>
   <p:clrMap bg1="lt1" tx1="dk1" bg2="lt2" tx2="dk2" accent1="accent1" accent2="accent2" accent3="accent3" accent4="accent4" accent5="accent5" accent6="accent6" hlink="hlink" folHlink="folHlink"/>
   <p:sldLayoutIdLst>
-    <p:sldLayoutId id="2147483673" r:id="rId1"/>
-    <p:sldLayoutId id="2147483674" r:id="rId2"/>
-    <p:sldLayoutId id="2147483675" r:id="rId3"/>
-    <p:sldLayoutId id="2147483676" r:id="rId4"/>
-    <p:sldLayoutId id="2147483677" r:id="rId5"/>
-    <p:sldLayoutId id="2147483678" r:id="rId6"/>
-    <p:sldLayoutId id="2147483679" r:id="rId7"/>
-    <p:sldLayoutId id="2147483680" r:id="rId8"/>
-    <p:sldLayoutId id="2147483681" r:id="rId9"/>
-    <p:sldLayoutId id="2147483682" r:id="rId10"/>
-    <p:sldLayoutId id="2147483683" r:id="rId11"/>
+    <p:sldLayoutId id="2147483685" r:id="rId1"/>
+    <p:sldLayoutId id="2147483686" r:id="rId2"/>
+    <p:sldLayoutId id="2147483687" r:id="rId3"/>
+    <p:sldLayoutId id="2147483688" r:id="rId4"/>
+    <p:sldLayoutId id="2147483689" r:id="rId5"/>
+    <p:sldLayoutId id="2147483690" r:id="rId6"/>
+    <p:sldLayoutId id="2147483691" r:id="rId7"/>
+    <p:sldLayoutId id="2147483692" r:id="rId8"/>
+    <p:sldLayoutId id="2147483693" r:id="rId9"/>
+    <p:sldLayoutId id="2147483694" r:id="rId10"/>
+    <p:sldLayoutId id="2147483695" r:id="rId11"/>
   </p:sldLayoutIdLst>
   <p:txStyles>
     <p:titleStyle>
@@ -2985,13 +2985,13 @@
               <p:nvPr>
                 <p:extLst>
                   <p:ext uri="{D42A27DB-BD31-4B8C-83A1-F6EECF244321}">
-                    <p14:modId xmlns:p14="http://schemas.microsoft.com/office/powerpoint/2010/main" val="3442451877"/>
+                    <p14:modId xmlns:p14="http://schemas.microsoft.com/office/powerpoint/2010/main" val="305702588"/>
                   </p:ext>
                 </p:extLst>
               </p:nvPr>
             </p:nvGraphicFramePr>
             <p:xfrm>
-              <a:off x="2156172" y="844321"/>
+              <a:off x="12717862" y="1227779"/>
               <a:ext cx="3584871" cy="1463040"/>
             </p:xfrm>
             <a:graphic>
@@ -3188,7 +3188,7 @@
                               <a:latin typeface="Arial" panose="020B0604020202020204" pitchFamily="34" charset="0"/>
                               <a:cs typeface="Arial" panose="020B0604020202020204" pitchFamily="34" charset="0"/>
                             </a:rPr>
-                            <a:t>Place_id</a:t>
+                            <a:t>place_id</a:t>
                           </a:r>
                           <a:endParaRPr lang="zh-CN" altLang="en-US" sz="1800" dirty="0">
                             <a:solidFill>
@@ -4095,13 +4095,13 @@
               <p:nvPr>
                 <p:extLst>
                   <p:ext uri="{D42A27DB-BD31-4B8C-83A1-F6EECF244321}">
-                    <p14:modId xmlns:p14="http://schemas.microsoft.com/office/powerpoint/2010/main" val="3442451877"/>
+                    <p14:modId xmlns:p14="http://schemas.microsoft.com/office/powerpoint/2010/main" val="305702588"/>
                   </p:ext>
                 </p:extLst>
               </p:nvPr>
             </p:nvGraphicFramePr>
             <p:xfrm>
-              <a:off x="2156172" y="844321"/>
+              <a:off x="12717862" y="1227779"/>
               <a:ext cx="3584871" cy="1463040"/>
             </p:xfrm>
             <a:graphic>
@@ -4298,7 +4298,7 @@
                               <a:latin typeface="Arial" panose="020B0604020202020204" pitchFamily="34" charset="0"/>
                               <a:cs typeface="Arial" panose="020B0604020202020204" pitchFamily="34" charset="0"/>
                             </a:rPr>
-                            <a:t>Place_id</a:t>
+                            <a:t>place_id</a:t>
                           </a:r>
                           <a:endParaRPr lang="zh-CN" altLang="en-US" sz="1800" dirty="0">
                             <a:solidFill>
@@ -4421,7 +4421,7 @@
                         <a:blipFill>
                           <a:blip r:embed="rId2"/>
                           <a:stretch>
-                            <a:fillRect l="-800" t="-106897" r="-128000" b="-227586"/>
+                            <a:fillRect l="-806" t="-106897" r="-129032" b="-227586"/>
                           </a:stretch>
                         </a:blipFill>
                       </a:tcPr>
@@ -4543,7 +4543,7 @@
                         <a:blipFill>
                           <a:blip r:embed="rId2"/>
                           <a:stretch>
-                            <a:fillRect l="-200000" t="-106897" r="-1053" b="-227586"/>
+                            <a:fillRect l="-202128" t="-106897" r="-1064" b="-227586"/>
                           </a:stretch>
                         </a:blipFill>
                       </a:tcPr>
@@ -4609,7 +4609,7 @@
                         <a:blipFill>
                           <a:blip r:embed="rId2"/>
                           <a:stretch>
-                            <a:fillRect l="-800" t="-206897" r="-128000" b="-127586"/>
+                            <a:fillRect l="-806" t="-206897" r="-129032" b="-127586"/>
                           </a:stretch>
                         </a:blipFill>
                       </a:tcPr>
@@ -4731,7 +4731,7 @@
                         <a:blipFill>
                           <a:blip r:embed="rId2"/>
                           <a:stretch>
-                            <a:fillRect l="-200000" t="-206897" r="-1053" b="-127586"/>
+                            <a:fillRect l="-202128" t="-206897" r="-1064" b="-127586"/>
                           </a:stretch>
                         </a:blipFill>
                       </a:tcPr>
@@ -4797,7 +4797,7 @@
                         <a:blipFill>
                           <a:blip r:embed="rId2"/>
                           <a:stretch>
-                            <a:fillRect l="-800" t="-306897" r="-128000" b="-27586"/>
+                            <a:fillRect l="-806" t="-306897" r="-129032" b="-27586"/>
                           </a:stretch>
                         </a:blipFill>
                       </a:tcPr>
@@ -4919,7 +4919,7 @@
                         <a:blipFill>
                           <a:blip r:embed="rId2"/>
                           <a:stretch>
-                            <a:fillRect l="-200000" t="-306897" r="-1053" b="-27586"/>
+                            <a:fillRect l="-202128" t="-306897" r="-1064" b="-27586"/>
                           </a:stretch>
                         </a:blipFill>
                       </a:tcPr>
@@ -4953,13 +4953,13 @@
               <p:nvPr>
                 <p:extLst>
                   <p:ext uri="{D42A27DB-BD31-4B8C-83A1-F6EECF244321}">
-                    <p14:modId xmlns:p14="http://schemas.microsoft.com/office/powerpoint/2010/main" val="3272054213"/>
+                    <p14:modId xmlns:p14="http://schemas.microsoft.com/office/powerpoint/2010/main" val="748374390"/>
                   </p:ext>
                 </p:extLst>
               </p:nvPr>
             </p:nvGraphicFramePr>
             <p:xfrm>
-              <a:off x="2154902" y="2597124"/>
+              <a:off x="12716592" y="2980582"/>
               <a:ext cx="2593705" cy="1097280"/>
             </p:xfrm>
             <a:graphic>
@@ -5571,13 +5571,13 @@
               <p:nvPr>
                 <p:extLst>
                   <p:ext uri="{D42A27DB-BD31-4B8C-83A1-F6EECF244321}">
-                    <p14:modId xmlns:p14="http://schemas.microsoft.com/office/powerpoint/2010/main" val="3272054213"/>
+                    <p14:modId xmlns:p14="http://schemas.microsoft.com/office/powerpoint/2010/main" val="748374390"/>
                   </p:ext>
                 </p:extLst>
               </p:nvPr>
             </p:nvGraphicFramePr>
             <p:xfrm>
-              <a:off x="2154902" y="2597124"/>
+              <a:off x="12716592" y="2980582"/>
               <a:ext cx="2593705" cy="1097280"/>
             </p:xfrm>
             <a:graphic>
@@ -5816,7 +5816,7 @@
                         <a:blipFill>
                           <a:blip r:embed="rId3"/>
                           <a:stretch>
-                            <a:fillRect l="-820" t="-106897" r="-69672" b="-106897"/>
+                            <a:fillRect l="-820" t="-103333" r="-68852" b="-100000"/>
                           </a:stretch>
                         </a:blipFill>
                       </a:tcPr>
@@ -5875,7 +5875,7 @@
                         <a:blipFill>
                           <a:blip r:embed="rId3"/>
                           <a:stretch>
-                            <a:fillRect l="-148193" t="-106897" r="-2410" b="-106897"/>
+                            <a:fillRect l="-148193" t="-103333" r="-1205" b="-100000"/>
                           </a:stretch>
                         </a:blipFill>
                       </a:tcPr>
@@ -5941,7 +5941,7 @@
                         <a:blipFill>
                           <a:blip r:embed="rId3"/>
                           <a:stretch>
-                            <a:fillRect l="-820" t="-206897" r="-69672" b="-6897"/>
+                            <a:fillRect l="-820" t="-210345" r="-68852" b="-3448"/>
                           </a:stretch>
                         </a:blipFill>
                       </a:tcPr>
@@ -6000,7 +6000,7 @@
                         <a:blipFill>
                           <a:blip r:embed="rId3"/>
                           <a:stretch>
-                            <a:fillRect l="-148193" t="-206897" r="-2410" b="-6897"/>
+                            <a:fillRect l="-148193" t="-210345" r="-1205" b="-3448"/>
                           </a:stretch>
                         </a:blipFill>
                       </a:tcPr>
@@ -6034,13 +6034,13 @@
               <p:nvPr>
                 <p:extLst>
                   <p:ext uri="{D42A27DB-BD31-4B8C-83A1-F6EECF244321}">
-                    <p14:modId xmlns:p14="http://schemas.microsoft.com/office/powerpoint/2010/main" val="2394979925"/>
+                    <p14:modId xmlns:p14="http://schemas.microsoft.com/office/powerpoint/2010/main" val="1350516292"/>
                   </p:ext>
                 </p:extLst>
               </p:nvPr>
             </p:nvGraphicFramePr>
             <p:xfrm>
-              <a:off x="2078116" y="4026136"/>
+              <a:off x="12639805" y="4409594"/>
               <a:ext cx="4154876" cy="1828800"/>
             </p:xfrm>
             <a:graphic>
@@ -8008,13 +8008,13 @@
               <p:nvPr>
                 <p:extLst>
                   <p:ext uri="{D42A27DB-BD31-4B8C-83A1-F6EECF244321}">
-                    <p14:modId xmlns:p14="http://schemas.microsoft.com/office/powerpoint/2010/main" val="2394979925"/>
+                    <p14:modId xmlns:p14="http://schemas.microsoft.com/office/powerpoint/2010/main" val="1350516292"/>
                   </p:ext>
                 </p:extLst>
               </p:nvPr>
             </p:nvGraphicFramePr>
             <p:xfrm>
-              <a:off x="2078116" y="4026136"/>
+              <a:off x="12639805" y="4409594"/>
               <a:ext cx="4154876" cy="1828800"/>
             </p:xfrm>
             <a:graphic>
@@ -8431,7 +8431,7 @@
                         <a:blipFill>
                           <a:blip r:embed="rId4"/>
                           <a:stretch>
-                            <a:fillRect l="-1031" t="-110345" r="-240206" b="-324138"/>
+                            <a:fillRect l="-1031" t="-106897" r="-239175" b="-327586"/>
                           </a:stretch>
                         </a:blipFill>
                       </a:tcPr>
@@ -8488,7 +8488,7 @@
                         <a:blipFill>
                           <a:blip r:embed="rId4"/>
                           <a:stretch>
-                            <a:fillRect l="-158065" t="-110345" r="-275806" b="-324138"/>
+                            <a:fillRect l="-158065" t="-106897" r="-274194" b="-327586"/>
                           </a:stretch>
                         </a:blipFill>
                       </a:tcPr>
@@ -8545,7 +8545,7 @@
                         <a:blipFill>
                           <a:blip r:embed="rId4"/>
                           <a:stretch>
-                            <a:fillRect l="-296296" t="-110345" r="-216667" b="-324138"/>
+                            <a:fillRect l="-296296" t="-106897" r="-214815" b="-327586"/>
                           </a:stretch>
                         </a:blipFill>
                       </a:tcPr>
@@ -8698,7 +8698,7 @@
                         <a:blipFill>
                           <a:blip r:embed="rId4"/>
                           <a:stretch>
-                            <a:fillRect l="-1031" t="-210345" r="-240206" b="-224138"/>
+                            <a:fillRect l="-1031" t="-206897" r="-239175" b="-227586"/>
                           </a:stretch>
                         </a:blipFill>
                       </a:tcPr>
@@ -8755,7 +8755,7 @@
                         <a:blipFill>
                           <a:blip r:embed="rId4"/>
                           <a:stretch>
-                            <a:fillRect l="-158065" t="-210345" r="-275806" b="-224138"/>
+                            <a:fillRect l="-158065" t="-206897" r="-274194" b="-227586"/>
                           </a:stretch>
                         </a:blipFill>
                       </a:tcPr>
@@ -8812,7 +8812,7 @@
                         <a:blipFill>
                           <a:blip r:embed="rId4"/>
                           <a:stretch>
-                            <a:fillRect l="-296296" t="-210345" r="-216667" b="-224138"/>
+                            <a:fillRect l="-296296" t="-206897" r="-214815" b="-227586"/>
                           </a:stretch>
                         </a:blipFill>
                       </a:tcPr>
@@ -8965,7 +8965,7 @@
                         <a:blipFill>
                           <a:blip r:embed="rId4"/>
                           <a:stretch>
-                            <a:fillRect l="-1031" t="-310345" r="-240206" b="-124138"/>
+                            <a:fillRect l="-1031" t="-306897" r="-239175" b="-127586"/>
                           </a:stretch>
                         </a:blipFill>
                       </a:tcPr>
@@ -9022,7 +9022,7 @@
                         <a:blipFill>
                           <a:blip r:embed="rId4"/>
                           <a:stretch>
-                            <a:fillRect l="-158065" t="-310345" r="-275806" b="-124138"/>
+                            <a:fillRect l="-158065" t="-306897" r="-274194" b="-127586"/>
                           </a:stretch>
                         </a:blipFill>
                       </a:tcPr>
@@ -9079,7 +9079,7 @@
                         <a:blipFill>
                           <a:blip r:embed="rId4"/>
                           <a:stretch>
-                            <a:fillRect l="-296296" t="-310345" r="-216667" b="-124138"/>
+                            <a:fillRect l="-296296" t="-306897" r="-214815" b="-127586"/>
                           </a:stretch>
                         </a:blipFill>
                       </a:tcPr>
@@ -9232,7 +9232,7 @@
                         <a:blipFill>
                           <a:blip r:embed="rId4"/>
                           <a:stretch>
-                            <a:fillRect l="-1031" t="-410345" r="-240206" b="-24138"/>
+                            <a:fillRect l="-1031" t="-406897" r="-239175" b="-27586"/>
                           </a:stretch>
                         </a:blipFill>
                       </a:tcPr>
@@ -9289,7 +9289,7 @@
                         <a:blipFill>
                           <a:blip r:embed="rId4"/>
                           <a:stretch>
-                            <a:fillRect l="-158065" t="-410345" r="-275806" b="-24138"/>
+                            <a:fillRect l="-158065" t="-406897" r="-274194" b="-27586"/>
                           </a:stretch>
                         </a:blipFill>
                       </a:tcPr>
@@ -9346,7 +9346,7 @@
                         <a:blipFill>
                           <a:blip r:embed="rId4"/>
                           <a:stretch>
-                            <a:fillRect l="-296296" t="-410345" r="-216667" b="-24138"/>
+                            <a:fillRect l="-296296" t="-406897" r="-214815" b="-27586"/>
                           </a:stretch>
                         </a:blipFill>
                       </a:tcPr>
@@ -9464,7 +9464,7 @@
         </p:nvGrpSpPr>
         <p:grpSpPr>
           <a:xfrm>
-            <a:off x="10235903" y="486797"/>
+            <a:off x="20797593" y="870255"/>
             <a:ext cx="657921" cy="626812"/>
             <a:chOff x="6512312" y="856300"/>
             <a:chExt cx="657921" cy="626812"/>
@@ -9672,7 +9672,7 @@
         </p:nvGrpSpPr>
         <p:grpSpPr>
           <a:xfrm>
-            <a:off x="8419469" y="1372943"/>
+            <a:off x="18981159" y="1756401"/>
             <a:ext cx="657921" cy="626812"/>
             <a:chOff x="5571892" y="1817819"/>
             <a:chExt cx="657921" cy="626812"/>
@@ -9880,7 +9880,7 @@
         </p:nvGrpSpPr>
         <p:grpSpPr>
           <a:xfrm>
-            <a:off x="11673129" y="1348544"/>
+            <a:off x="22234819" y="1732002"/>
             <a:ext cx="657921" cy="626812"/>
             <a:chOff x="7643457" y="1448487"/>
             <a:chExt cx="657921" cy="626812"/>
@@ -10088,7 +10088,7 @@
         </p:nvGrpSpPr>
         <p:grpSpPr>
           <a:xfrm>
-            <a:off x="8977098" y="2769243"/>
+            <a:off x="19538788" y="3152701"/>
             <a:ext cx="657921" cy="626812"/>
             <a:chOff x="6512312" y="856300"/>
             <a:chExt cx="657921" cy="626812"/>
@@ -10296,7 +10296,7 @@
         </p:nvGrpSpPr>
         <p:grpSpPr>
           <a:xfrm>
-            <a:off x="11349744" y="2931476"/>
+            <a:off x="21911434" y="3314934"/>
             <a:ext cx="657921" cy="626812"/>
             <a:chOff x="6512312" y="856300"/>
             <a:chExt cx="657921" cy="626812"/>
@@ -10470,7 +10470,7 @@
                 <a:blipFill>
                   <a:blip r:embed="rId9"/>
                   <a:stretch>
-                    <a:fillRect r="-1923"/>
+                    <a:fillRect r="-1961"/>
                   </a:stretch>
                 </a:blipFill>
               </p:spPr>
@@ -10508,7 +10508,7 @@
         </p:nvCxnSpPr>
         <p:spPr>
           <a:xfrm flipH="1">
-            <a:off x="9300480" y="1021815"/>
+            <a:off x="19862169" y="1405273"/>
             <a:ext cx="1030136" cy="1747428"/>
           </a:xfrm>
           <a:prstGeom prst="straightConnector1">
@@ -10549,7 +10549,7 @@
             </p:nvSpPr>
             <p:spPr>
               <a:xfrm>
-                <a:off x="10018384" y="1199303"/>
+                <a:off x="20580074" y="1582762"/>
                 <a:ext cx="646771" cy="494751"/>
               </a:xfrm>
               <a:prstGeom prst="rect">
@@ -10638,7 +10638,7 @@
             </p:nvSpPr>
             <p:spPr>
               <a:xfrm>
-                <a:off x="10018384" y="1199303"/>
+                <a:off x="20580074" y="1582762"/>
                 <a:ext cx="646771" cy="494751"/>
               </a:xfrm>
               <a:prstGeom prst="rect">
@@ -10647,7 +10647,7 @@
               <a:blipFill>
                 <a:blip r:embed="rId10"/>
                 <a:stretch>
-                  <a:fillRect b="-2500"/>
+                  <a:fillRect b="-5000"/>
                 </a:stretch>
               </a:blipFill>
             </p:spPr>
@@ -10683,7 +10683,7 @@
         </p:nvCxnSpPr>
         <p:spPr>
           <a:xfrm>
-            <a:off x="8742855" y="1999759"/>
+            <a:off x="19304545" y="2383218"/>
             <a:ext cx="368971" cy="843349"/>
           </a:xfrm>
           <a:prstGeom prst="straightConnector1">
@@ -10724,7 +10724,7 @@
         </p:nvCxnSpPr>
         <p:spPr>
           <a:xfrm>
-            <a:off x="9021670" y="1840973"/>
+            <a:off x="19583360" y="2224431"/>
             <a:ext cx="2445867" cy="1203282"/>
           </a:xfrm>
           <a:prstGeom prst="straightConnector1">
@@ -10767,7 +10767,7 @@
         </p:nvCxnSpPr>
         <p:spPr>
           <a:xfrm flipH="1">
-            <a:off x="11684280" y="1975360"/>
+            <a:off x="22245970" y="2358819"/>
             <a:ext cx="312235" cy="983757"/>
           </a:xfrm>
           <a:prstGeom prst="straightConnector1">
@@ -10808,7 +10808,7 @@
             </p:nvSpPr>
             <p:spPr>
               <a:xfrm>
-                <a:off x="8352613" y="2135586"/>
+                <a:off x="18914303" y="2519044"/>
                 <a:ext cx="646771" cy="507960"/>
               </a:xfrm>
               <a:prstGeom prst="rect">
@@ -10897,7 +10897,7 @@
             </p:nvSpPr>
             <p:spPr>
               <a:xfrm>
-                <a:off x="8352613" y="2135586"/>
+                <a:off x="18914303" y="2519044"/>
                 <a:ext cx="646771" cy="507960"/>
               </a:xfrm>
               <a:prstGeom prst="rect">
@@ -10941,7 +10941,7 @@
             </p:nvSpPr>
             <p:spPr>
               <a:xfrm>
-                <a:off x="10283262" y="2100578"/>
+                <a:off x="20844952" y="2484036"/>
                 <a:ext cx="646771" cy="507960"/>
               </a:xfrm>
               <a:prstGeom prst="rect">
@@ -11030,7 +11030,7 @@
             </p:nvSpPr>
             <p:spPr>
               <a:xfrm>
-                <a:off x="10283262" y="2100578"/>
+                <a:off x="20844952" y="2484036"/>
                 <a:ext cx="646771" cy="507960"/>
               </a:xfrm>
               <a:prstGeom prst="rect">
@@ -11074,7 +11074,7 @@
             </p:nvSpPr>
             <p:spPr>
               <a:xfrm>
-                <a:off x="11291236" y="1966672"/>
+                <a:off x="21852926" y="2350130"/>
                 <a:ext cx="646771" cy="507960"/>
               </a:xfrm>
               <a:prstGeom prst="rect">
@@ -11163,7 +11163,7 @@
             </p:nvSpPr>
             <p:spPr>
               <a:xfrm>
-                <a:off x="11291236" y="1966672"/>
+                <a:off x="21852926" y="2350130"/>
                 <a:ext cx="646771" cy="507960"/>
               </a:xfrm>
               <a:prstGeom prst="rect">
@@ -11172,7 +11172,7 @@
               <a:blipFill>
                 <a:blip r:embed="rId13"/>
                 <a:stretch>
-                  <a:fillRect b="-2500"/>
+                  <a:fillRect/>
                 </a:stretch>
               </a:blipFill>
             </p:spPr>
@@ -11207,7 +11207,7 @@
         </p:nvCxnSpPr>
         <p:spPr>
           <a:xfrm flipV="1">
-            <a:off x="5872020" y="853991"/>
+            <a:off x="16433710" y="1237450"/>
             <a:ext cx="4146363" cy="601159"/>
           </a:xfrm>
           <a:prstGeom prst="line">
@@ -11248,7 +11248,7 @@
         </p:nvCxnSpPr>
         <p:spPr>
           <a:xfrm>
-            <a:off x="5183118" y="3142499"/>
+            <a:off x="15744807" y="3525957"/>
             <a:ext cx="3559736" cy="75740"/>
           </a:xfrm>
           <a:prstGeom prst="line">
@@ -11289,7 +11289,7 @@
         </p:nvCxnSpPr>
         <p:spPr>
           <a:xfrm flipV="1">
-            <a:off x="6516382" y="2769244"/>
+            <a:off x="17078072" y="3152703"/>
             <a:ext cx="2226473" cy="2134543"/>
           </a:xfrm>
           <a:prstGeom prst="line">
@@ -11328,7 +11328,7 @@
         </p:nvSpPr>
         <p:spPr>
           <a:xfrm>
-            <a:off x="6277033" y="38830"/>
+            <a:off x="16838722" y="422288"/>
             <a:ext cx="1479892" cy="369332"/>
           </a:xfrm>
           <a:prstGeom prst="rect">
@@ -11370,7 +11370,7 @@
         </p:nvSpPr>
         <p:spPr>
           <a:xfrm>
-            <a:off x="3027653" y="0"/>
+            <a:off x="13589342" y="383458"/>
             <a:ext cx="1223412" cy="369332"/>
           </a:xfrm>
           <a:prstGeom prst="rect">
@@ -11412,7 +11412,7 @@
         </p:nvSpPr>
         <p:spPr>
           <a:xfrm>
-            <a:off x="9631719" y="79336"/>
+            <a:off x="20193408" y="462794"/>
             <a:ext cx="2249334" cy="369332"/>
           </a:xfrm>
           <a:prstGeom prst="rect">
@@ -11454,7 +11454,7 @@
         </p:nvSpPr>
         <p:spPr>
           <a:xfrm>
-            <a:off x="8113394" y="1"/>
+            <a:off x="18675084" y="383460"/>
             <a:ext cx="4499363" cy="3715389"/>
           </a:xfrm>
           <a:prstGeom prst="rect">
@@ -11508,7 +11508,7 @@
         </p:nvSpPr>
         <p:spPr>
           <a:xfrm>
-            <a:off x="7565866" y="4343790"/>
+            <a:off x="18127555" y="4727248"/>
             <a:ext cx="5997734" cy="1511146"/>
           </a:xfrm>
           <a:prstGeom prst="rect">
@@ -11571,13 +11571,13 @@
               <p:nvPr>
                 <p:extLst>
                   <p:ext uri="{D42A27DB-BD31-4B8C-83A1-F6EECF244321}">
-                    <p14:modId xmlns:p14="http://schemas.microsoft.com/office/powerpoint/2010/main" val="3378323533"/>
+                    <p14:modId xmlns:p14="http://schemas.microsoft.com/office/powerpoint/2010/main" val="2990554371"/>
                   </p:ext>
                 </p:extLst>
               </p:nvPr>
             </p:nvGraphicFramePr>
             <p:xfrm>
-              <a:off x="7764910" y="4875475"/>
+              <a:off x="18326599" y="5258933"/>
               <a:ext cx="5644668" cy="780796"/>
             </p:xfrm>
             <a:graphic>
@@ -14103,13 +14103,13 @@
               <p:nvPr>
                 <p:extLst>
                   <p:ext uri="{D42A27DB-BD31-4B8C-83A1-F6EECF244321}">
-                    <p14:modId xmlns:p14="http://schemas.microsoft.com/office/powerpoint/2010/main" val="3378323533"/>
+                    <p14:modId xmlns:p14="http://schemas.microsoft.com/office/powerpoint/2010/main" val="2990554371"/>
                   </p:ext>
                 </p:extLst>
               </p:nvPr>
             </p:nvGraphicFramePr>
             <p:xfrm>
-              <a:off x="7764910" y="4875475"/>
+              <a:off x="18326599" y="5258933"/>
               <a:ext cx="5644668" cy="780796"/>
             </p:xfrm>
             <a:graphic>
@@ -14238,7 +14238,7 @@
                         <a:blipFill>
                           <a:blip r:embed="rId14"/>
                           <a:stretch>
-                            <a:fillRect l="-2174" r="-869565" b="-100000"/>
+                            <a:fillRect l="-2174" t="-3226" r="-869565" b="-103226"/>
                           </a:stretch>
                         </a:blipFill>
                       </a:tcPr>
@@ -14295,7 +14295,7 @@
                         <a:blipFill>
                           <a:blip r:embed="rId14"/>
                           <a:stretch>
-                            <a:fillRect l="-95918" r="-716327" b="-100000"/>
+                            <a:fillRect l="-95918" t="-3226" r="-716327" b="-103226"/>
                           </a:stretch>
                         </a:blipFill>
                       </a:tcPr>
@@ -14352,7 +14352,7 @@
                         <a:blipFill>
                           <a:blip r:embed="rId14"/>
                           <a:stretch>
-                            <a:fillRect l="-200000" r="-631250" b="-100000"/>
+                            <a:fillRect l="-200000" t="-3226" r="-631250" b="-103226"/>
                           </a:stretch>
                         </a:blipFill>
                       </a:tcPr>
@@ -14409,7 +14409,7 @@
                         <a:blipFill>
                           <a:blip r:embed="rId14"/>
                           <a:stretch>
-                            <a:fillRect l="-288000" r="-506000" b="-100000"/>
+                            <a:fillRect l="-288000" t="-3226" r="-506000" b="-103226"/>
                           </a:stretch>
                         </a:blipFill>
                       </a:tcPr>
@@ -14466,7 +14466,7 @@
                         <a:blipFill>
                           <a:blip r:embed="rId14"/>
                           <a:stretch>
-                            <a:fillRect l="-404167" r="-427083" b="-100000"/>
+                            <a:fillRect l="-404167" t="-3226" r="-427083" b="-103226"/>
                           </a:stretch>
                         </a:blipFill>
                       </a:tcPr>
@@ -14523,7 +14523,7 @@
                         <a:blipFill>
                           <a:blip r:embed="rId14"/>
                           <a:stretch>
-                            <a:fillRect l="-432143" r="-266071" b="-100000"/>
+                            <a:fillRect l="-432143" t="-3226" r="-266071" b="-103226"/>
                           </a:stretch>
                         </a:blipFill>
                       </a:tcPr>
@@ -14580,7 +14580,7 @@
                         <a:blipFill>
                           <a:blip r:embed="rId14"/>
                           <a:stretch>
-                            <a:fillRect l="-608163" r="-204082" b="-100000"/>
+                            <a:fillRect l="-608163" t="-3226" r="-204082" b="-103226"/>
                           </a:stretch>
                         </a:blipFill>
                       </a:tcPr>
@@ -14637,7 +14637,7 @@
                         <a:blipFill>
                           <a:blip r:embed="rId14"/>
                           <a:stretch>
-                            <a:fillRect l="-694000" r="-100000" b="-100000"/>
+                            <a:fillRect l="-694000" t="-3226" r="-100000" b="-103226"/>
                           </a:stretch>
                         </a:blipFill>
                       </a:tcPr>
@@ -14696,7 +14696,7 @@
                         <a:blipFill>
                           <a:blip r:embed="rId14"/>
                           <a:stretch>
-                            <a:fillRect l="-810204" r="-2041" b="-100000"/>
+                            <a:fillRect l="-810204" t="-3226" r="-2041" b="-103226"/>
                           </a:stretch>
                         </a:blipFill>
                       </a:tcPr>
@@ -15253,7 +15253,7 @@
             </p:nvSpPr>
             <p:spPr>
               <a:xfrm>
-                <a:off x="9452271" y="4370442"/>
+                <a:off x="20013961" y="4753900"/>
                 <a:ext cx="2443233" cy="375552"/>
               </a:xfrm>
               <a:prstGeom prst="rect">
@@ -15277,7 +15277,7 @@
                 <a14:m>
                   <m:oMath xmlns:m="http://schemas.openxmlformats.org/officeDocument/2006/math">
                     <m:r>
-                      <a:rPr kumimoji="1" lang="en-US" altLang="zh-CN" b="1" i="1" smtClean="0">
+                      <a:rPr kumimoji="1" lang="en-US" altLang="zh-CN" b="1" i="1">
                         <a:latin typeface="Cambria Math" panose="02040503050406030204" pitchFamily="18" charset="0"/>
                         <a:cs typeface="Arial" panose="020B0604020202020204" pitchFamily="34" charset="0"/>
                       </a:rPr>
@@ -15286,7 +15286,7 @@
                     <m:sSup>
                       <m:sSupPr>
                         <m:ctrlPr>
-                          <a:rPr kumimoji="1" lang="en-US" altLang="zh-CN" b="1" i="1" smtClean="0">
+                          <a:rPr kumimoji="1" lang="en-US" altLang="zh-CN" b="1" i="1">
                             <a:latin typeface="Cambria Math" panose="02040503050406030204" pitchFamily="18" charset="0"/>
                             <a:cs typeface="Arial" panose="020B0604020202020204" pitchFamily="34" charset="0"/>
                           </a:rPr>
@@ -15294,7 +15294,7 @@
                       </m:sSupPr>
                       <m:e>
                         <m:r>
-                          <a:rPr kumimoji="1" lang="en-US" altLang="zh-CN" b="1" i="1" smtClean="0">
+                          <a:rPr kumimoji="1" lang="en-US" altLang="zh-CN" b="1" i="1">
                             <a:latin typeface="Cambria Math" panose="02040503050406030204" pitchFamily="18" charset="0"/>
                             <a:cs typeface="Arial" panose="020B0604020202020204" pitchFamily="34" charset="0"/>
                           </a:rPr>
@@ -15303,14 +15303,14 @@
                       </m:e>
                       <m:sup>
                         <m:r>
-                          <a:rPr kumimoji="1" lang="en-US" altLang="zh-CN" b="1" i="1" smtClean="0">
+                          <a:rPr kumimoji="1" lang="en-US" altLang="zh-CN" b="1" i="1">
                             <a:latin typeface="Cambria Math" panose="02040503050406030204" pitchFamily="18" charset="0"/>
                             <a:cs typeface="Arial" panose="020B0604020202020204" pitchFamily="34" charset="0"/>
                           </a:rPr>
                           <m:t>𝑮</m:t>
                         </m:r>
                         <m:r>
-                          <a:rPr kumimoji="1" lang="en-US" altLang="zh-CN" b="1" i="1" smtClean="0">
+                          <a:rPr kumimoji="1" lang="en-US" altLang="zh-CN" b="1" i="1">
                             <a:latin typeface="Cambria Math" panose="02040503050406030204" pitchFamily="18" charset="0"/>
                             <a:cs typeface="Arial" panose="020B0604020202020204" pitchFamily="34" charset="0"/>
                           </a:rPr>
@@ -15345,7 +15345,7 @@
             </p:nvSpPr>
             <p:spPr>
               <a:xfrm>
-                <a:off x="9452271" y="4370442"/>
+                <a:off x="20013961" y="4753900"/>
                 <a:ext cx="2443233" cy="375552"/>
               </a:xfrm>
               <a:prstGeom prst="rect">
@@ -15354,7 +15354,7 @@
               <a:blipFill>
                 <a:blip r:embed="rId15"/>
                 <a:stretch>
-                  <a:fillRect l="-2073" t="-10000" b="-26667"/>
+                  <a:fillRect l="-1546" t="-6667" b="-26667"/>
                 </a:stretch>
               </a:blipFill>
             </p:spPr>
@@ -15387,7 +15387,7 @@
         </p:nvSpPr>
         <p:spPr>
           <a:xfrm rot="5400000">
-            <a:off x="10290215" y="3872135"/>
+            <a:off x="20851904" y="4255593"/>
             <a:ext cx="412420" cy="337458"/>
           </a:xfrm>
           <a:prstGeom prst="rightArrow">
@@ -15433,7 +15433,7 @@
         </p:nvGrpSpPr>
         <p:grpSpPr>
           <a:xfrm>
-            <a:off x="15219646" y="2100578"/>
+            <a:off x="25781336" y="2484036"/>
             <a:ext cx="657921" cy="626812"/>
             <a:chOff x="7643457" y="1448487"/>
             <a:chExt cx="657921" cy="626812"/>
@@ -15607,7 +15607,7 @@
                 <a:blipFill>
                   <a:blip r:embed="rId16"/>
                   <a:stretch>
-                    <a:fillRect b="-4878"/>
+                    <a:fillRect b="-7317"/>
                   </a:stretch>
                 </a:blipFill>
               </p:spPr>
@@ -15641,7 +15641,7 @@
         </p:nvGrpSpPr>
         <p:grpSpPr>
           <a:xfrm>
-            <a:off x="16881853" y="2100578"/>
+            <a:off x="27443543" y="2484036"/>
             <a:ext cx="657921" cy="626812"/>
             <a:chOff x="7643457" y="1448487"/>
             <a:chExt cx="657921" cy="626812"/>
@@ -15815,7 +15815,7 @@
                 <a:blipFill>
                   <a:blip r:embed="rId17"/>
                   <a:stretch>
-                    <a:fillRect b="-4878"/>
+                    <a:fillRect b="-7317"/>
                   </a:stretch>
                 </a:blipFill>
               </p:spPr>
@@ -15849,7 +15849,7 @@
         </p:nvGrpSpPr>
         <p:grpSpPr>
           <a:xfrm>
-            <a:off x="16038878" y="3472558"/>
+            <a:off x="26600568" y="3856016"/>
             <a:ext cx="657921" cy="626812"/>
             <a:chOff x="6512312" y="856300"/>
             <a:chExt cx="657921" cy="626812"/>
@@ -16041,7 +16041,7 @@
         </p:nvCxnSpPr>
         <p:spPr>
           <a:xfrm>
-            <a:off x="15543031" y="2727390"/>
+            <a:off x="26104720" y="3110848"/>
             <a:ext cx="553690" cy="857794"/>
           </a:xfrm>
           <a:prstGeom prst="straightConnector1">
@@ -16083,7 +16083,7 @@
         </p:nvCxnSpPr>
         <p:spPr>
           <a:xfrm flipH="1">
-            <a:off x="16592568" y="2727390"/>
+            <a:off x="27154258" y="3110848"/>
             <a:ext cx="612671" cy="857794"/>
           </a:xfrm>
           <a:prstGeom prst="straightConnector1">
@@ -16122,7 +16122,7 @@
         </p:nvSpPr>
         <p:spPr>
           <a:xfrm>
-            <a:off x="13345887" y="1021816"/>
+            <a:off x="23907577" y="1405275"/>
             <a:ext cx="5682343" cy="326729"/>
           </a:xfrm>
           <a:prstGeom prst="rightArrow">
@@ -16168,7 +16168,7 @@
         </p:nvSpPr>
         <p:spPr>
           <a:xfrm>
-            <a:off x="15287655" y="561269"/>
+            <a:off x="25849345" y="944727"/>
             <a:ext cx="1928733" cy="369332"/>
           </a:xfrm>
           <a:prstGeom prst="rect">
@@ -16210,7 +16210,7 @@
         </p:nvSpPr>
         <p:spPr>
           <a:xfrm>
-            <a:off x="13782544" y="4875476"/>
+            <a:off x="24344234" y="5258935"/>
             <a:ext cx="5682343" cy="326729"/>
           </a:xfrm>
           <a:prstGeom prst="rightArrow">
@@ -16256,7 +16256,7 @@
         </p:nvSpPr>
         <p:spPr>
           <a:xfrm>
-            <a:off x="15325690" y="4502843"/>
+            <a:off x="25887380" y="4886301"/>
             <a:ext cx="2095445" cy="369332"/>
           </a:xfrm>
           <a:prstGeom prst="rect">
@@ -16298,7 +16298,7 @@
         </p:nvSpPr>
         <p:spPr>
           <a:xfrm>
-            <a:off x="19892356" y="3733347"/>
+            <a:off x="30454046" y="4116806"/>
             <a:ext cx="4043745" cy="2802479"/>
           </a:xfrm>
           <a:prstGeom prst="rect">
@@ -16361,13 +16361,13 @@
               <p:nvPr>
                 <p:extLst>
                   <p:ext uri="{D42A27DB-BD31-4B8C-83A1-F6EECF244321}">
-                    <p14:modId xmlns:p14="http://schemas.microsoft.com/office/powerpoint/2010/main" val="3060999590"/>
+                    <p14:modId xmlns:p14="http://schemas.microsoft.com/office/powerpoint/2010/main" val="2648965171"/>
                   </p:ext>
                 </p:extLst>
               </p:nvPr>
             </p:nvGraphicFramePr>
             <p:xfrm>
-              <a:off x="20425902" y="4395652"/>
+              <a:off x="30987591" y="4779110"/>
               <a:ext cx="3094450" cy="1951990"/>
             </p:xfrm>
             <a:graphic>
@@ -19589,13 +19589,13 @@
               <p:nvPr>
                 <p:extLst>
                   <p:ext uri="{D42A27DB-BD31-4B8C-83A1-F6EECF244321}">
-                    <p14:modId xmlns:p14="http://schemas.microsoft.com/office/powerpoint/2010/main" val="3060999590"/>
+                    <p14:modId xmlns:p14="http://schemas.microsoft.com/office/powerpoint/2010/main" val="2648965171"/>
                   </p:ext>
                 </p:extLst>
               </p:nvPr>
             </p:nvGraphicFramePr>
             <p:xfrm>
-              <a:off x="20425902" y="4395652"/>
+              <a:off x="30987591" y="4779110"/>
               <a:ext cx="3094450" cy="1951990"/>
             </p:xfrm>
             <a:graphic>
@@ -19696,7 +19696,7 @@
                         <a:blipFill>
                           <a:blip r:embed="rId19"/>
                           <a:stretch>
-                            <a:fillRect l="-2041" t="-3226" r="-402041" b="-403226"/>
+                            <a:fillRect t="-3226" r="-402041" b="-403226"/>
                           </a:stretch>
                         </a:blipFill>
                       </a:tcPr>
@@ -19753,7 +19753,7 @@
                         <a:blipFill>
                           <a:blip r:embed="rId19"/>
                           <a:stretch>
-                            <a:fillRect l="-104167" t="-3226" r="-310417" b="-403226"/>
+                            <a:fillRect l="-100000" t="-3226" r="-302041" b="-403226"/>
                           </a:stretch>
                         </a:blipFill>
                       </a:tcPr>
@@ -19810,7 +19810,7 @@
                         <a:blipFill>
                           <a:blip r:embed="rId19"/>
                           <a:stretch>
-                            <a:fillRect l="-200000" t="-3226" r="-204082" b="-403226"/>
+                            <a:fillRect l="-200000" t="-3226" r="-202041" b="-403226"/>
                           </a:stretch>
                         </a:blipFill>
                       </a:tcPr>
@@ -19867,7 +19867,7 @@
                         <a:blipFill>
                           <a:blip r:embed="rId19"/>
                           <a:stretch>
-                            <a:fillRect l="-300000" t="-3226" r="-104082" b="-403226"/>
+                            <a:fillRect l="-300000" t="-3226" r="-102041" b="-403226"/>
                           </a:stretch>
                         </a:blipFill>
                       </a:tcPr>
@@ -19926,7 +19926,7 @@
                         <a:blipFill>
                           <a:blip r:embed="rId19"/>
                           <a:stretch>
-                            <a:fillRect l="-400000" t="-3226" r="-4082" b="-403226"/>
+                            <a:fillRect l="-400000" t="-3226" r="-2041" b="-403226"/>
                           </a:stretch>
                         </a:blipFill>
                       </a:tcPr>
@@ -19992,7 +19992,7 @@
                         <a:blipFill>
                           <a:blip r:embed="rId19"/>
                           <a:stretch>
-                            <a:fillRect l="-2041" t="-103226" r="-402041" b="-303226"/>
+                            <a:fillRect t="-103226" r="-402041" b="-303226"/>
                           </a:stretch>
                         </a:blipFill>
                       </a:tcPr>
@@ -20049,7 +20049,7 @@
                         <a:blipFill>
                           <a:blip r:embed="rId19"/>
                           <a:stretch>
-                            <a:fillRect l="-104167" t="-103226" r="-310417" b="-303226"/>
+                            <a:fillRect l="-100000" t="-103226" r="-302041" b="-303226"/>
                           </a:stretch>
                         </a:blipFill>
                       </a:tcPr>
@@ -20106,7 +20106,7 @@
                         <a:blipFill>
                           <a:blip r:embed="rId19"/>
                           <a:stretch>
-                            <a:fillRect l="-200000" t="-103226" r="-204082" b="-303226"/>
+                            <a:fillRect l="-200000" t="-103226" r="-202041" b="-303226"/>
                           </a:stretch>
                         </a:blipFill>
                       </a:tcPr>
@@ -20163,7 +20163,7 @@
                         <a:blipFill>
                           <a:blip r:embed="rId19"/>
                           <a:stretch>
-                            <a:fillRect l="-300000" t="-103226" r="-104082" b="-303226"/>
+                            <a:fillRect l="-300000" t="-103226" r="-102041" b="-303226"/>
                           </a:stretch>
                         </a:blipFill>
                       </a:tcPr>
@@ -20222,7 +20222,7 @@
                         <a:blipFill>
                           <a:blip r:embed="rId19"/>
                           <a:stretch>
-                            <a:fillRect l="-400000" t="-103226" r="-4082" b="-303226"/>
+                            <a:fillRect l="-400000" t="-103226" r="-2041" b="-303226"/>
                           </a:stretch>
                         </a:blipFill>
                       </a:tcPr>
@@ -20288,7 +20288,7 @@
                         <a:blipFill>
                           <a:blip r:embed="rId19"/>
                           <a:stretch>
-                            <a:fillRect l="-2041" t="-210000" r="-402041" b="-213333"/>
+                            <a:fillRect t="-203226" r="-402041" b="-203226"/>
                           </a:stretch>
                         </a:blipFill>
                       </a:tcPr>
@@ -20345,7 +20345,7 @@
                         <a:blipFill>
                           <a:blip r:embed="rId19"/>
                           <a:stretch>
-                            <a:fillRect l="-104167" t="-210000" r="-310417" b="-213333"/>
+                            <a:fillRect l="-100000" t="-203226" r="-302041" b="-203226"/>
                           </a:stretch>
                         </a:blipFill>
                       </a:tcPr>
@@ -20402,7 +20402,7 @@
                         <a:blipFill>
                           <a:blip r:embed="rId19"/>
                           <a:stretch>
-                            <a:fillRect l="-200000" t="-210000" r="-204082" b="-213333"/>
+                            <a:fillRect l="-200000" t="-203226" r="-202041" b="-203226"/>
                           </a:stretch>
                         </a:blipFill>
                       </a:tcPr>
@@ -20459,7 +20459,7 @@
                         <a:blipFill>
                           <a:blip r:embed="rId19"/>
                           <a:stretch>
-                            <a:fillRect l="-300000" t="-210000" r="-104082" b="-213333"/>
+                            <a:fillRect l="-300000" t="-203226" r="-102041" b="-203226"/>
                           </a:stretch>
                         </a:blipFill>
                       </a:tcPr>
@@ -20518,7 +20518,7 @@
                         <a:blipFill>
                           <a:blip r:embed="rId19"/>
                           <a:stretch>
-                            <a:fillRect l="-400000" t="-210000" r="-4082" b="-213333"/>
+                            <a:fillRect l="-400000" t="-203226" r="-2041" b="-203226"/>
                           </a:stretch>
                         </a:blipFill>
                       </a:tcPr>
@@ -20584,7 +20584,7 @@
                         <a:blipFill>
                           <a:blip r:embed="rId19"/>
                           <a:stretch>
-                            <a:fillRect l="-2041" t="-300000" r="-402041" b="-106452"/>
+                            <a:fillRect t="-303226" r="-402041" b="-103226"/>
                           </a:stretch>
                         </a:blipFill>
                       </a:tcPr>
@@ -20641,7 +20641,7 @@
                         <a:blipFill>
                           <a:blip r:embed="rId19"/>
                           <a:stretch>
-                            <a:fillRect l="-104167" t="-300000" r="-310417" b="-106452"/>
+                            <a:fillRect l="-100000" t="-303226" r="-302041" b="-103226"/>
                           </a:stretch>
                         </a:blipFill>
                       </a:tcPr>
@@ -20698,7 +20698,7 @@
                         <a:blipFill>
                           <a:blip r:embed="rId19"/>
                           <a:stretch>
-                            <a:fillRect l="-200000" t="-300000" r="-204082" b="-106452"/>
+                            <a:fillRect l="-200000" t="-303226" r="-202041" b="-103226"/>
                           </a:stretch>
                         </a:blipFill>
                       </a:tcPr>
@@ -20755,7 +20755,7 @@
                         <a:blipFill>
                           <a:blip r:embed="rId19"/>
                           <a:stretch>
-                            <a:fillRect l="-300000" t="-300000" r="-104082" b="-106452"/>
+                            <a:fillRect l="-300000" t="-303226" r="-102041" b="-103226"/>
                           </a:stretch>
                         </a:blipFill>
                       </a:tcPr>
@@ -20814,7 +20814,7 @@
                         <a:blipFill>
                           <a:blip r:embed="rId19"/>
                           <a:stretch>
-                            <a:fillRect l="-400000" t="-300000" r="-4082" b="-106452"/>
+                            <a:fillRect l="-400000" t="-303226" r="-2041" b="-103226"/>
                           </a:stretch>
                         </a:blipFill>
                       </a:tcPr>
@@ -20880,7 +20880,7 @@
                         <a:blipFill>
                           <a:blip r:embed="rId19"/>
                           <a:stretch>
-                            <a:fillRect l="-2041" t="-400000" r="-402041" b="-6452"/>
+                            <a:fillRect t="-403226" r="-402041" b="-3226"/>
                           </a:stretch>
                         </a:blipFill>
                       </a:tcPr>
@@ -20937,7 +20937,7 @@
                         <a:blipFill>
                           <a:blip r:embed="rId19"/>
                           <a:stretch>
-                            <a:fillRect l="-104167" t="-400000" r="-310417" b="-6452"/>
+                            <a:fillRect l="-100000" t="-403226" r="-302041" b="-3226"/>
                           </a:stretch>
                         </a:blipFill>
                       </a:tcPr>
@@ -20994,7 +20994,7 @@
                         <a:blipFill>
                           <a:blip r:embed="rId19"/>
                           <a:stretch>
-                            <a:fillRect l="-200000" t="-400000" r="-204082" b="-6452"/>
+                            <a:fillRect l="-200000" t="-403226" r="-202041" b="-3226"/>
                           </a:stretch>
                         </a:blipFill>
                       </a:tcPr>
@@ -21051,7 +21051,7 @@
                         <a:blipFill>
                           <a:blip r:embed="rId19"/>
                           <a:stretch>
-                            <a:fillRect l="-300000" t="-400000" r="-104082" b="-6452"/>
+                            <a:fillRect l="-300000" t="-403226" r="-102041" b="-3226"/>
                           </a:stretch>
                         </a:blipFill>
                       </a:tcPr>
@@ -21110,7 +21110,7 @@
                         <a:blipFill>
                           <a:blip r:embed="rId19"/>
                           <a:stretch>
-                            <a:fillRect l="-400000" t="-400000" r="-4082" b="-6452"/>
+                            <a:fillRect l="-400000" t="-403226" r="-2041" b="-3226"/>
                           </a:stretch>
                         </a:blipFill>
                       </a:tcPr>
@@ -21143,7 +21143,7 @@
             </p:nvSpPr>
             <p:spPr>
               <a:xfrm>
-                <a:off x="20952685" y="3914052"/>
+                <a:off x="31514375" y="4297510"/>
                 <a:ext cx="2446439" cy="374270"/>
               </a:xfrm>
               <a:prstGeom prst="rect">
@@ -21167,7 +21167,7 @@
                 <a14:m>
                   <m:oMath xmlns:m="http://schemas.openxmlformats.org/officeDocument/2006/math">
                     <m:r>
-                      <a:rPr kumimoji="1" lang="en-US" altLang="zh-CN" b="1" i="1" smtClean="0">
+                      <a:rPr kumimoji="1" lang="en-US" altLang="zh-CN" b="1" i="1">
                         <a:latin typeface="Cambria Math" panose="02040503050406030204" pitchFamily="18" charset="0"/>
                         <a:cs typeface="Arial" panose="020B0604020202020204" pitchFamily="34" charset="0"/>
                       </a:rPr>
@@ -21176,7 +21176,7 @@
                     <m:sSup>
                       <m:sSupPr>
                         <m:ctrlPr>
-                          <a:rPr kumimoji="1" lang="en-US" altLang="zh-CN" b="1" i="1" smtClean="0">
+                          <a:rPr kumimoji="1" lang="en-US" altLang="zh-CN" b="1" i="1">
                             <a:latin typeface="Cambria Math" panose="02040503050406030204" pitchFamily="18" charset="0"/>
                             <a:cs typeface="Arial" panose="020B0604020202020204" pitchFamily="34" charset="0"/>
                           </a:rPr>
@@ -21184,7 +21184,7 @@
                       </m:sSupPr>
                       <m:e>
                         <m:r>
-                          <a:rPr kumimoji="1" lang="en-US" altLang="zh-CN" b="1" i="1" smtClean="0">
+                          <a:rPr kumimoji="1" lang="en-US" altLang="zh-CN" b="1" i="1">
                             <a:latin typeface="Cambria Math" panose="02040503050406030204" pitchFamily="18" charset="0"/>
                             <a:cs typeface="Arial" panose="020B0604020202020204" pitchFamily="34" charset="0"/>
                           </a:rPr>
@@ -21193,7 +21193,7 @@
                       </m:e>
                       <m:sup>
                         <m:r>
-                          <a:rPr kumimoji="1" lang="en-US" altLang="zh-CN" b="1" i="1" smtClean="0">
+                          <a:rPr kumimoji="1" lang="en-US" altLang="zh-CN" b="1" i="1">
                             <a:latin typeface="Cambria Math" panose="02040503050406030204" pitchFamily="18" charset="0"/>
                             <a:cs typeface="Arial" panose="020B0604020202020204" pitchFamily="34" charset="0"/>
                           </a:rPr>
@@ -21235,7 +21235,7 @@
             </p:nvSpPr>
             <p:spPr>
               <a:xfrm>
-                <a:off x="20952685" y="3914052"/>
+                <a:off x="31514375" y="4297510"/>
                 <a:ext cx="2446439" cy="374270"/>
               </a:xfrm>
               <a:prstGeom prst="rect">
@@ -21277,7 +21277,7 @@
         </p:nvGrpSpPr>
         <p:grpSpPr>
           <a:xfrm>
-            <a:off x="21053782" y="847367"/>
+            <a:off x="31615472" y="1230825"/>
             <a:ext cx="657921" cy="626812"/>
             <a:chOff x="6512312" y="856300"/>
             <a:chExt cx="657921" cy="626812"/>
@@ -21451,7 +21451,7 @@
                 <a:blipFill>
                   <a:blip r:embed="rId21"/>
                   <a:stretch>
-                    <a:fillRect b="-7500"/>
+                    <a:fillRect b="-7317"/>
                   </a:stretch>
                 </a:blipFill>
               </p:spPr>
@@ -21485,7 +21485,7 @@
         </p:nvGrpSpPr>
         <p:grpSpPr>
           <a:xfrm>
-            <a:off x="19869859" y="887418"/>
+            <a:off x="30431549" y="1270876"/>
             <a:ext cx="657921" cy="626812"/>
             <a:chOff x="5571892" y="1817819"/>
             <a:chExt cx="657921" cy="626812"/>
@@ -21659,7 +21659,7 @@
                 <a:blipFill>
                   <a:blip r:embed="rId22"/>
                   <a:stretch>
-                    <a:fillRect b="-7500"/>
+                    <a:fillRect b="-4878"/>
                   </a:stretch>
                 </a:blipFill>
               </p:spPr>
@@ -21693,7 +21693,7 @@
         </p:nvGrpSpPr>
         <p:grpSpPr>
           <a:xfrm>
-            <a:off x="20427488" y="2283718"/>
+            <a:off x="30989178" y="2667176"/>
             <a:ext cx="657921" cy="626812"/>
             <a:chOff x="6512312" y="856300"/>
             <a:chExt cx="657921" cy="626812"/>
@@ -21867,7 +21867,7 @@
                 <a:blipFill>
                   <a:blip r:embed="rId23"/>
                   <a:stretch>
-                    <a:fillRect b="-5000"/>
+                    <a:fillRect r="-1923" b="-2500"/>
                   </a:stretch>
                 </a:blipFill>
               </p:spPr>
@@ -21904,7 +21904,7 @@
         </p:nvCxnSpPr>
         <p:spPr>
           <a:xfrm flipH="1">
-            <a:off x="20922805" y="1474180"/>
+            <a:off x="31484495" y="1857639"/>
             <a:ext cx="454363" cy="883403"/>
           </a:xfrm>
           <a:prstGeom prst="straightConnector1">
@@ -21945,7 +21945,7 @@
             </p:nvSpPr>
             <p:spPr>
               <a:xfrm>
-                <a:off x="21195191" y="1609881"/>
+                <a:off x="31756881" y="1993340"/>
                 <a:ext cx="646771" cy="494751"/>
               </a:xfrm>
               <a:prstGeom prst="rect">
@@ -22034,7 +22034,7 @@
             </p:nvSpPr>
             <p:spPr>
               <a:xfrm>
-                <a:off x="21195191" y="1609881"/>
+                <a:off x="31756881" y="1993340"/>
                 <a:ext cx="646771" cy="494751"/>
               </a:xfrm>
               <a:prstGeom prst="rect">
@@ -22079,7 +22079,7 @@
         </p:nvCxnSpPr>
         <p:spPr>
           <a:xfrm>
-            <a:off x="20193245" y="1514234"/>
+            <a:off x="30754935" y="1897693"/>
             <a:ext cx="368971" cy="843349"/>
           </a:xfrm>
           <a:prstGeom prst="straightConnector1">
@@ -22120,7 +22120,7 @@
             </p:nvSpPr>
             <p:spPr>
               <a:xfrm>
-                <a:off x="19803003" y="1650061"/>
+                <a:off x="30364693" y="2033519"/>
                 <a:ext cx="646771" cy="507960"/>
               </a:xfrm>
               <a:prstGeom prst="rect">
@@ -22209,7 +22209,7 @@
             </p:nvSpPr>
             <p:spPr>
               <a:xfrm>
-                <a:off x="19803003" y="1650061"/>
+                <a:off x="30364693" y="2033519"/>
                 <a:ext cx="646771" cy="507960"/>
               </a:xfrm>
               <a:prstGeom prst="rect">
@@ -22218,109 +22218,7 @@
               <a:blipFill>
                 <a:blip r:embed="rId25"/>
                 <a:stretch>
-                  <a:fillRect b="-2500"/>
-                </a:stretch>
-              </a:blipFill>
-            </p:spPr>
-            <p:txBody>
-              <a:bodyPr/>
-              <a:lstStyle/>
-              <a:p>
-                <a:r>
-                  <a:rPr lang="zh-CN" altLang="en-US">
-                    <a:noFill/>
-                  </a:rPr>
-                  <a:t> </a:t>
-                </a:r>
-              </a:p>
-            </p:txBody>
-          </p:sp>
-        </mc:Fallback>
-      </mc:AlternateContent>
-      <mc:AlternateContent xmlns:mc="http://schemas.openxmlformats.org/markup-compatibility/2006">
-        <mc:Choice xmlns:a14="http://schemas.microsoft.com/office/drawing/2010/main" Requires="a14">
-          <p:sp>
-            <p:nvSpPr>
-              <p:cNvPr id="150" name="文本框 149">
-                <a:extLst>
-                  <a:ext uri="{FF2B5EF4-FFF2-40B4-BE49-F238E27FC236}">
-                    <a16:creationId xmlns:a16="http://schemas.microsoft.com/office/drawing/2014/main" id="{293A544B-DE4A-6443-49BE-189AA9A5C746}"/>
-                  </a:ext>
-                </a:extLst>
-              </p:cNvPr>
-              <p:cNvSpPr txBox="1"/>
-              <p:nvPr/>
-            </p:nvSpPr>
-            <p:spPr>
-              <a:xfrm>
-                <a:off x="21134049" y="217028"/>
-                <a:ext cx="2217274" cy="369332"/>
-              </a:xfrm>
-              <a:prstGeom prst="rect">
-                <a:avLst/>
-              </a:prstGeom>
-              <a:noFill/>
-            </p:spPr>
-            <p:txBody>
-              <a:bodyPr wrap="none" rtlCol="0">
-                <a:spAutoFit/>
-              </a:bodyPr>
-              <a:lstStyle/>
-              <a:p>
-                <a:r>
-                  <a:rPr kumimoji="1" lang="en-US" altLang="zh-CN" b="1" dirty="0">
-                    <a:latin typeface="Arial" panose="020B0604020202020204" pitchFamily="34" charset="0"/>
-                    <a:cs typeface="Arial" panose="020B0604020202020204" pitchFamily="34" charset="0"/>
-                  </a:rPr>
-                  <a:t>Property Graphs </a:t>
-                </a:r>
-                <a14:m>
-                  <m:oMath xmlns:m="http://schemas.openxmlformats.org/officeDocument/2006/math">
-                    <m:r>
-                      <a:rPr kumimoji="1" lang="en-US" altLang="zh-CN" b="1" i="1" smtClean="0">
-                        <a:latin typeface="Cambria Math" panose="02040503050406030204" pitchFamily="18" charset="0"/>
-                        <a:ea typeface="Cambria Math" panose="02040503050406030204" pitchFamily="18" charset="0"/>
-                        <a:cs typeface="Arial" panose="020B0604020202020204" pitchFamily="34" charset="0"/>
-                      </a:rPr>
-                      <m:t>𝓖</m:t>
-                    </m:r>
-                  </m:oMath>
-                </a14:m>
-                <a:endParaRPr kumimoji="1" lang="zh-CN" altLang="en-US" b="1" dirty="0">
-                  <a:latin typeface="Arial" panose="020B0604020202020204" pitchFamily="34" charset="0"/>
-                  <a:cs typeface="Arial" panose="020B0604020202020204" pitchFamily="34" charset="0"/>
-                </a:endParaRPr>
-              </a:p>
-            </p:txBody>
-          </p:sp>
-        </mc:Choice>
-        <mc:Fallback>
-          <p:sp>
-            <p:nvSpPr>
-              <p:cNvPr id="150" name="文本框 149">
-                <a:extLst>
-                  <a:ext uri="{FF2B5EF4-FFF2-40B4-BE49-F238E27FC236}">
-                    <a16:creationId xmlns:a16="http://schemas.microsoft.com/office/drawing/2014/main" id="{293A544B-DE4A-6443-49BE-189AA9A5C746}"/>
-                  </a:ext>
-                </a:extLst>
-              </p:cNvPr>
-              <p:cNvSpPr txBox="1">
-                <a:spLocks noRot="1" noChangeAspect="1" noMove="1" noResize="1" noEditPoints="1" noAdjustHandles="1" noChangeArrowheads="1" noChangeShapeType="1" noTextEdit="1"/>
-              </p:cNvSpPr>
-              <p:nvPr/>
-            </p:nvSpPr>
-            <p:spPr>
-              <a:xfrm>
-                <a:off x="21134049" y="217028"/>
-                <a:ext cx="2217274" cy="369332"/>
-              </a:xfrm>
-              <a:prstGeom prst="rect">
-                <a:avLst/>
-              </a:prstGeom>
-              <a:blipFill>
-                <a:blip r:embed="rId26"/>
-                <a:stretch>
-                  <a:fillRect l="-2857" t="-10000" b="-23333"/>
+                  <a:fillRect/>
                 </a:stretch>
               </a:blipFill>
             </p:spPr>
@@ -22341,6 +22239,48 @@
       </mc:AlternateContent>
       <p:sp>
         <p:nvSpPr>
+          <p:cNvPr id="150" name="文本框 149">
+            <a:extLst>
+              <a:ext uri="{FF2B5EF4-FFF2-40B4-BE49-F238E27FC236}">
+                <a16:creationId xmlns:a16="http://schemas.microsoft.com/office/drawing/2014/main" id="{293A544B-DE4A-6443-49BE-189AA9A5C746}"/>
+              </a:ext>
+            </a:extLst>
+          </p:cNvPr>
+          <p:cNvSpPr txBox="1"/>
+          <p:nvPr/>
+        </p:nvSpPr>
+        <p:spPr>
+          <a:xfrm>
+            <a:off x="34151237" y="581196"/>
+            <a:ext cx="2095445" cy="369332"/>
+          </a:xfrm>
+          <a:prstGeom prst="rect">
+            <a:avLst/>
+          </a:prstGeom>
+          <a:noFill/>
+        </p:spPr>
+        <p:txBody>
+          <a:bodyPr wrap="none" rtlCol="0">
+            <a:spAutoFit/>
+          </a:bodyPr>
+          <a:lstStyle/>
+          <a:p>
+            <a:r>
+              <a:rPr kumimoji="1" lang="en-US" altLang="zh-CN" b="1" dirty="0">
+                <a:latin typeface="Arial" panose="020B0604020202020204" pitchFamily="34" charset="0"/>
+                <a:cs typeface="Arial" panose="020B0604020202020204" pitchFamily="34" charset="0"/>
+              </a:rPr>
+              <a:t>Set of Subgraphs</a:t>
+            </a:r>
+            <a:endParaRPr kumimoji="1" lang="zh-CN" altLang="en-US" b="1" dirty="0">
+              <a:latin typeface="Arial" panose="020B0604020202020204" pitchFamily="34" charset="0"/>
+              <a:cs typeface="Arial" panose="020B0604020202020204" pitchFamily="34" charset="0"/>
+            </a:endParaRPr>
+          </a:p>
+        </p:txBody>
+      </p:sp>
+      <p:sp>
+        <p:nvSpPr>
           <p:cNvPr id="151" name="矩形 150">
             <a:extLst>
               <a:ext uri="{FF2B5EF4-FFF2-40B4-BE49-F238E27FC236}">
@@ -22353,7 +22293,7 @@
         </p:nvSpPr>
         <p:spPr>
           <a:xfrm>
-            <a:off x="19615723" y="137693"/>
+            <a:off x="30177413" y="521152"/>
             <a:ext cx="9264077" cy="3080547"/>
           </a:xfrm>
           <a:prstGeom prst="rect">
@@ -22407,7 +22347,7 @@
         </p:nvGrpSpPr>
         <p:grpSpPr>
           <a:xfrm>
-            <a:off x="25640951" y="824480"/>
+            <a:off x="36202641" y="1207938"/>
             <a:ext cx="657921" cy="626812"/>
             <a:chOff x="6512312" y="856300"/>
             <a:chExt cx="657921" cy="626812"/>
@@ -22579,7 +22519,7 @@
                   <a:avLst/>
                 </a:prstGeom>
                 <a:blipFill>
-                  <a:blip r:embed="rId27"/>
+                  <a:blip r:embed="rId26"/>
                   <a:stretch>
                     <a:fillRect b="-4878"/>
                   </a:stretch>
@@ -22615,7 +22555,7 @@
         </p:nvGrpSpPr>
         <p:grpSpPr>
           <a:xfrm>
-            <a:off x="24457028" y="864531"/>
+            <a:off x="35018718" y="1247989"/>
             <a:ext cx="657921" cy="626812"/>
             <a:chOff x="5571892" y="1817819"/>
             <a:chExt cx="657921" cy="626812"/>
@@ -22787,7 +22727,7 @@
                   <a:avLst/>
                 </a:prstGeom>
                 <a:blipFill>
-                  <a:blip r:embed="rId28"/>
+                  <a:blip r:embed="rId27"/>
                   <a:stretch>
                     <a:fillRect b="-4878"/>
                   </a:stretch>
@@ -22823,7 +22763,7 @@
         </p:nvGrpSpPr>
         <p:grpSpPr>
           <a:xfrm>
-            <a:off x="25014657" y="2260831"/>
+            <a:off x="35576347" y="2644289"/>
             <a:ext cx="657921" cy="626812"/>
             <a:chOff x="6512312" y="856300"/>
             <a:chExt cx="657921" cy="626812"/>
@@ -22995,7 +22935,7 @@
                   <a:avLst/>
                 </a:prstGeom>
                 <a:blipFill>
-                  <a:blip r:embed="rId29"/>
+                  <a:blip r:embed="rId28"/>
                   <a:stretch>
                     <a:fillRect r="-1923"/>
                   </a:stretch>
@@ -23034,7 +22974,7 @@
         </p:nvCxnSpPr>
         <p:spPr>
           <a:xfrm flipH="1">
-            <a:off x="25509974" y="1451293"/>
+            <a:off x="36071664" y="1834752"/>
             <a:ext cx="454363" cy="883403"/>
           </a:xfrm>
           <a:prstGeom prst="straightConnector1">
@@ -23075,7 +23015,7 @@
             </p:nvSpPr>
             <p:spPr>
               <a:xfrm>
-                <a:off x="25782360" y="1586993"/>
+                <a:off x="36344050" y="1970451"/>
                 <a:ext cx="646771" cy="507960"/>
               </a:xfrm>
               <a:prstGeom prst="rect">
@@ -23164,14 +23104,14 @@
             </p:nvSpPr>
             <p:spPr>
               <a:xfrm>
-                <a:off x="25782360" y="1586993"/>
+                <a:off x="36344050" y="1970451"/>
                 <a:ext cx="646771" cy="507960"/>
               </a:xfrm>
               <a:prstGeom prst="rect">
                 <a:avLst/>
               </a:prstGeom>
               <a:blipFill>
-                <a:blip r:embed="rId30"/>
+                <a:blip r:embed="rId13"/>
                 <a:stretch>
                   <a:fillRect/>
                 </a:stretch>
@@ -23209,7 +23149,7 @@
         </p:nvCxnSpPr>
         <p:spPr>
           <a:xfrm>
-            <a:off x="24780414" y="1491347"/>
+            <a:off x="35342104" y="1874806"/>
             <a:ext cx="368971" cy="843349"/>
           </a:xfrm>
           <a:prstGeom prst="straightConnector1">
@@ -23250,7 +23190,7 @@
             </p:nvSpPr>
             <p:spPr>
               <a:xfrm>
-                <a:off x="24390172" y="1627174"/>
+                <a:off x="34951862" y="2010632"/>
                 <a:ext cx="646771" cy="507960"/>
               </a:xfrm>
               <a:prstGeom prst="rect">
@@ -23339,16 +23279,16 @@
             </p:nvSpPr>
             <p:spPr>
               <a:xfrm>
-                <a:off x="24390172" y="1627174"/>
+                <a:off x="34951862" y="2010632"/>
                 <a:ext cx="646771" cy="507960"/>
               </a:xfrm>
               <a:prstGeom prst="rect">
                 <a:avLst/>
               </a:prstGeom>
               <a:blipFill>
-                <a:blip r:embed="rId31"/>
+                <a:blip r:embed="rId29"/>
                 <a:stretch>
-                  <a:fillRect b="-2500"/>
+                  <a:fillRect/>
                 </a:stretch>
               </a:blipFill>
             </p:spPr>
@@ -23383,7 +23323,7 @@
             </p:nvSpPr>
             <p:spPr>
               <a:xfrm>
-                <a:off x="15214071" y="2864344"/>
+                <a:off x="25775761" y="3247803"/>
                 <a:ext cx="646771" cy="461665"/>
               </a:xfrm>
               <a:prstGeom prst="rect">
@@ -23453,14 +23393,14 @@
             </p:nvSpPr>
             <p:spPr>
               <a:xfrm>
-                <a:off x="15214071" y="2864344"/>
+                <a:off x="25775761" y="3247803"/>
                 <a:ext cx="646771" cy="461665"/>
               </a:xfrm>
               <a:prstGeom prst="rect">
                 <a:avLst/>
               </a:prstGeom>
               <a:blipFill>
-                <a:blip r:embed="rId32"/>
+                <a:blip r:embed="rId30"/>
                 <a:stretch>
                   <a:fillRect b="-2632"/>
                 </a:stretch>
@@ -23497,7 +23437,7 @@
             </p:nvSpPr>
             <p:spPr>
               <a:xfrm>
-                <a:off x="16949557" y="2881178"/>
+                <a:off x="27511247" y="3264637"/>
                 <a:ext cx="646771" cy="461665"/>
               </a:xfrm>
               <a:prstGeom prst="rect">
@@ -23567,14 +23507,14 @@
             </p:nvSpPr>
             <p:spPr>
               <a:xfrm>
-                <a:off x="16949557" y="2881178"/>
+                <a:off x="27511247" y="3264637"/>
                 <a:ext cx="646771" cy="461665"/>
               </a:xfrm>
               <a:prstGeom prst="rect">
                 <a:avLst/>
               </a:prstGeom>
               <a:blipFill>
-                <a:blip r:embed="rId33"/>
+                <a:blip r:embed="rId31"/>
                 <a:stretch>
                   <a:fillRect b="-2703"/>
                 </a:stretch>
@@ -23609,7 +23549,7 @@
         </p:nvGrpSpPr>
         <p:grpSpPr>
           <a:xfrm>
-            <a:off x="27835562" y="824480"/>
+            <a:off x="38397252" y="1207938"/>
             <a:ext cx="657921" cy="626812"/>
             <a:chOff x="6512312" y="856300"/>
             <a:chExt cx="657921" cy="626812"/>
@@ -23781,7 +23721,7 @@
                   <a:avLst/>
                 </a:prstGeom>
                 <a:blipFill>
-                  <a:blip r:embed="rId34"/>
+                  <a:blip r:embed="rId32"/>
                   <a:stretch>
                     <a:fillRect b="-4878"/>
                   </a:stretch>
@@ -23817,7 +23757,7 @@
         </p:nvGrpSpPr>
         <p:grpSpPr>
           <a:xfrm>
-            <a:off x="26651639" y="864531"/>
+            <a:off x="37213329" y="1247989"/>
             <a:ext cx="657921" cy="626812"/>
             <a:chOff x="5571892" y="1817819"/>
             <a:chExt cx="657921" cy="626812"/>
@@ -23989,7 +23929,7 @@
                   <a:avLst/>
                 </a:prstGeom>
                 <a:blipFill>
-                  <a:blip r:embed="rId35"/>
+                  <a:blip r:embed="rId33"/>
                   <a:stretch>
                     <a:fillRect b="-4878"/>
                   </a:stretch>
@@ -24025,7 +23965,7 @@
         </p:nvGrpSpPr>
         <p:grpSpPr>
           <a:xfrm>
-            <a:off x="27209268" y="2260831"/>
+            <a:off x="37770958" y="2644289"/>
             <a:ext cx="657921" cy="626812"/>
             <a:chOff x="6512312" y="856300"/>
             <a:chExt cx="657921" cy="626812"/>
@@ -24197,9 +24137,9 @@
                   <a:avLst/>
                 </a:prstGeom>
                 <a:blipFill>
-                  <a:blip r:embed="rId36"/>
+                  <a:blip r:embed="rId34"/>
                   <a:stretch>
-                    <a:fillRect r="-1923"/>
+                    <a:fillRect r="-1961"/>
                   </a:stretch>
                 </a:blipFill>
               </p:spPr>
@@ -24236,7 +24176,7 @@
         </p:nvCxnSpPr>
         <p:spPr>
           <a:xfrm flipH="1">
-            <a:off x="27704585" y="1451293"/>
+            <a:off x="38266275" y="1834752"/>
             <a:ext cx="454363" cy="883403"/>
           </a:xfrm>
           <a:prstGeom prst="straightConnector1">
@@ -24277,7 +24217,7 @@
             </p:nvSpPr>
             <p:spPr>
               <a:xfrm>
-                <a:off x="27976971" y="1586993"/>
+                <a:off x="38538661" y="1970451"/>
                 <a:ext cx="646771" cy="507960"/>
               </a:xfrm>
               <a:prstGeom prst="rect">
@@ -24366,14 +24306,14 @@
             </p:nvSpPr>
             <p:spPr>
               <a:xfrm>
-                <a:off x="27976971" y="1586993"/>
+                <a:off x="38538661" y="1970451"/>
                 <a:ext cx="646771" cy="507960"/>
               </a:xfrm>
               <a:prstGeom prst="rect">
                 <a:avLst/>
               </a:prstGeom>
               <a:blipFill>
-                <a:blip r:embed="rId37"/>
+                <a:blip r:embed="rId35"/>
                 <a:stretch>
                   <a:fillRect/>
                 </a:stretch>
@@ -24411,7 +24351,7 @@
         </p:nvCxnSpPr>
         <p:spPr>
           <a:xfrm>
-            <a:off x="26975025" y="1491347"/>
+            <a:off x="37536715" y="1874806"/>
             <a:ext cx="368971" cy="843349"/>
           </a:xfrm>
           <a:prstGeom prst="straightConnector1">
@@ -24452,7 +24392,7 @@
             </p:nvSpPr>
             <p:spPr>
               <a:xfrm>
-                <a:off x="26584783" y="1627174"/>
+                <a:off x="37146473" y="2010632"/>
                 <a:ext cx="646771" cy="507960"/>
               </a:xfrm>
               <a:prstGeom prst="rect">
@@ -24541,16 +24481,16 @@
             </p:nvSpPr>
             <p:spPr>
               <a:xfrm>
-                <a:off x="26584783" y="1627174"/>
+                <a:off x="37146473" y="2010632"/>
                 <a:ext cx="646771" cy="507960"/>
               </a:xfrm>
               <a:prstGeom prst="rect">
                 <a:avLst/>
               </a:prstGeom>
               <a:blipFill>
-                <a:blip r:embed="rId38"/>
+                <a:blip r:embed="rId36"/>
                 <a:stretch>
-                  <a:fillRect b="-2500"/>
+                  <a:fillRect/>
                 </a:stretch>
               </a:blipFill>
             </p:spPr>
@@ -24583,7 +24523,7 @@
         </p:nvGrpSpPr>
         <p:grpSpPr>
           <a:xfrm>
-            <a:off x="23409174" y="806441"/>
+            <a:off x="33970864" y="1189899"/>
             <a:ext cx="657921" cy="626812"/>
             <a:chOff x="6512312" y="856300"/>
             <a:chExt cx="657921" cy="626812"/>
@@ -24755,9 +24695,9 @@
                   <a:avLst/>
                 </a:prstGeom>
                 <a:blipFill>
-                  <a:blip r:embed="rId39"/>
+                  <a:blip r:embed="rId37"/>
                   <a:stretch>
-                    <a:fillRect b="-7317"/>
+                    <a:fillRect b="-7500"/>
                   </a:stretch>
                 </a:blipFill>
               </p:spPr>
@@ -24791,7 +24731,7 @@
         </p:nvGrpSpPr>
         <p:grpSpPr>
           <a:xfrm>
-            <a:off x="22225251" y="846492"/>
+            <a:off x="32786941" y="1229950"/>
             <a:ext cx="657921" cy="626812"/>
             <a:chOff x="5571892" y="1817819"/>
             <a:chExt cx="657921" cy="626812"/>
@@ -24963,9 +24903,9 @@
                   <a:avLst/>
                 </a:prstGeom>
                 <a:blipFill>
-                  <a:blip r:embed="rId40"/>
+                  <a:blip r:embed="rId38"/>
                   <a:stretch>
-                    <a:fillRect b="-4878"/>
+                    <a:fillRect b="-4762"/>
                   </a:stretch>
                 </a:blipFill>
               </p:spPr>
@@ -24999,7 +24939,7 @@
         </p:nvGrpSpPr>
         <p:grpSpPr>
           <a:xfrm>
-            <a:off x="22782880" y="2242792"/>
+            <a:off x="33344570" y="2626250"/>
             <a:ext cx="657921" cy="626812"/>
             <a:chOff x="6512312" y="856300"/>
             <a:chExt cx="657921" cy="626812"/>
@@ -25171,9 +25111,9 @@
                   <a:avLst/>
                 </a:prstGeom>
                 <a:blipFill>
-                  <a:blip r:embed="rId41"/>
+                  <a:blip r:embed="rId39"/>
                   <a:stretch>
-                    <a:fillRect r="-1923" b="-2500"/>
+                    <a:fillRect b="-2439"/>
                   </a:stretch>
                 </a:blipFill>
               </p:spPr>
@@ -25210,7 +25150,7 @@
         </p:nvCxnSpPr>
         <p:spPr>
           <a:xfrm flipH="1">
-            <a:off x="23278197" y="1433254"/>
+            <a:off x="33839887" y="1816713"/>
             <a:ext cx="454363" cy="883403"/>
           </a:xfrm>
           <a:prstGeom prst="straightConnector1">
@@ -25251,7 +25191,7 @@
             </p:nvSpPr>
             <p:spPr>
               <a:xfrm>
-                <a:off x="23550583" y="1568954"/>
+                <a:off x="34112273" y="1952412"/>
                 <a:ext cx="646771" cy="507960"/>
               </a:xfrm>
               <a:prstGeom prst="rect">
@@ -25340,14 +25280,14 @@
             </p:nvSpPr>
             <p:spPr>
               <a:xfrm>
-                <a:off x="23550583" y="1568954"/>
+                <a:off x="34112273" y="1952412"/>
                 <a:ext cx="646771" cy="507960"/>
               </a:xfrm>
               <a:prstGeom prst="rect">
                 <a:avLst/>
               </a:prstGeom>
               <a:blipFill>
-                <a:blip r:embed="rId42"/>
+                <a:blip r:embed="rId40"/>
                 <a:stretch>
                   <a:fillRect/>
                 </a:stretch>
@@ -25385,7 +25325,7 @@
         </p:nvCxnSpPr>
         <p:spPr>
           <a:xfrm>
-            <a:off x="22548637" y="1473308"/>
+            <a:off x="33110327" y="1856767"/>
             <a:ext cx="368971" cy="843349"/>
           </a:xfrm>
           <a:prstGeom prst="straightConnector1">
@@ -25426,7 +25366,7 @@
             </p:nvSpPr>
             <p:spPr>
               <a:xfrm>
-                <a:off x="22158395" y="1609135"/>
+                <a:off x="32720085" y="1992593"/>
                 <a:ext cx="646771" cy="507960"/>
               </a:xfrm>
               <a:prstGeom prst="rect">
@@ -25515,14 +25455,14 @@
             </p:nvSpPr>
             <p:spPr>
               <a:xfrm>
-                <a:off x="22158395" y="1609135"/>
+                <a:off x="32720085" y="1992593"/>
                 <a:ext cx="646771" cy="507960"/>
               </a:xfrm>
               <a:prstGeom prst="rect">
                 <a:avLst/>
               </a:prstGeom>
               <a:blipFill>
-                <a:blip r:embed="rId43"/>
+                <a:blip r:embed="rId41"/>
                 <a:stretch>
                   <a:fillRect b="-2439"/>
                 </a:stretch>
@@ -25557,7 +25497,7 @@
         </p:nvSpPr>
         <p:spPr>
           <a:xfrm rot="5400000">
-            <a:off x="21674221" y="3329112"/>
+            <a:off x="32235910" y="3712570"/>
             <a:ext cx="412420" cy="337458"/>
           </a:xfrm>
           <a:prstGeom prst="rightArrow">
@@ -25603,7 +25543,7 @@
         </p:nvSpPr>
         <p:spPr>
           <a:xfrm>
-            <a:off x="10739765" y="3850813"/>
+            <a:off x="21301455" y="4234271"/>
             <a:ext cx="1646605" cy="369332"/>
           </a:xfrm>
           <a:prstGeom prst="rect">
@@ -25645,7 +25585,7 @@
         </p:nvSpPr>
         <p:spPr>
           <a:xfrm>
-            <a:off x="22127886" y="3307868"/>
+            <a:off x="32689576" y="3691326"/>
             <a:ext cx="1646605" cy="369332"/>
           </a:xfrm>
           <a:prstGeom prst="rect">
@@ -25687,7 +25627,7 @@
         </p:nvSpPr>
         <p:spPr>
           <a:xfrm>
-            <a:off x="994121" y="1471641"/>
+            <a:off x="11555811" y="1855099"/>
             <a:ext cx="966931" cy="369332"/>
           </a:xfrm>
           <a:prstGeom prst="rect">
@@ -25729,7 +25669,7 @@
         </p:nvSpPr>
         <p:spPr>
           <a:xfrm>
-            <a:off x="974499" y="2876987"/>
+            <a:off x="11536188" y="3260445"/>
             <a:ext cx="1159292" cy="369332"/>
           </a:xfrm>
           <a:prstGeom prst="rect">
@@ -25771,7 +25711,7 @@
         </p:nvSpPr>
         <p:spPr>
           <a:xfrm>
-            <a:off x="998020" y="4730031"/>
+            <a:off x="11559710" y="5113489"/>
             <a:ext cx="774571" cy="369332"/>
           </a:xfrm>
           <a:prstGeom prst="rect">
@@ -25813,7 +25753,7 @@
         </p:nvSpPr>
         <p:spPr>
           <a:xfrm rot="5400000">
-            <a:off x="21811839" y="6659394"/>
+            <a:off x="32373529" y="7042853"/>
             <a:ext cx="460845" cy="430831"/>
           </a:xfrm>
           <a:prstGeom prst="rightArrow">
@@ -25861,7 +25801,7 @@
             </p:nvSpPr>
             <p:spPr>
               <a:xfrm>
-                <a:off x="16102140" y="6628299"/>
+                <a:off x="26663830" y="7011758"/>
                 <a:ext cx="5839467" cy="400625"/>
               </a:xfrm>
               <a:prstGeom prst="rect">
@@ -25887,14 +25827,14 @@
                     <m:sSub>
                       <m:sSubPr>
                         <m:ctrlPr>
-                          <a:rPr kumimoji="1" lang="en-US" altLang="zh-CN" sz="1800" b="1" i="1" smtClean="0">
+                          <a:rPr kumimoji="1" lang="en-US" altLang="zh-CN" b="1" i="1">
                             <a:latin typeface="Cambria Math" panose="02040503050406030204" pitchFamily="18" charset="0"/>
                           </a:rPr>
                         </m:ctrlPr>
                       </m:sSubPr>
                       <m:e>
                         <m:r>
-                          <a:rPr kumimoji="1" lang="en-US" altLang="zh-CN" sz="1800" b="1" i="1" smtClean="0">
+                          <a:rPr kumimoji="1" lang="en-US" altLang="zh-CN" b="1" i="1">
                             <a:latin typeface="Cambria Math" panose="02040503050406030204" pitchFamily="18" charset="0"/>
                           </a:rPr>
                           <m:t>𝒖</m:t>
@@ -25904,14 +25844,14 @@
                         <m:sSub>
                           <m:sSubPr>
                             <m:ctrlPr>
-                              <a:rPr kumimoji="1" lang="en-US" altLang="zh-CN" sz="1800" b="1" i="1" smtClean="0">
+                              <a:rPr kumimoji="1" lang="en-US" altLang="zh-CN" b="1" i="1">
                                 <a:latin typeface="Cambria Math" panose="02040503050406030204" pitchFamily="18" charset="0"/>
                               </a:rPr>
                             </m:ctrlPr>
                           </m:sSubPr>
                           <m:e>
                             <m:r>
-                              <a:rPr kumimoji="1" lang="en-US" altLang="zh-CN" sz="1800" b="1" i="1" smtClean="0">
+                              <a:rPr kumimoji="1" lang="en-US" altLang="zh-CN" b="1" i="1">
                                 <a:latin typeface="Cambria Math" panose="02040503050406030204" pitchFamily="18" charset="0"/>
                               </a:rPr>
                               <m:t>𝒑</m:t>
@@ -25919,7 +25859,7 @@
                           </m:e>
                           <m:sub>
                             <m:r>
-                              <a:rPr kumimoji="1" lang="en-US" altLang="zh-CN" sz="1800" b="1" i="1" smtClean="0">
+                              <a:rPr kumimoji="1" lang="en-US" altLang="zh-CN" b="1" i="1">
                                 <a:latin typeface="Cambria Math" panose="02040503050406030204" pitchFamily="18" charset="0"/>
                               </a:rPr>
                               <m:t>𝟏</m:t>
@@ -25931,7 +25871,7 @@
                   </m:oMath>
                 </a14:m>
                 <a:r>
-                  <a:rPr kumimoji="1" lang="en-US" altLang="zh-CN" sz="1800" b="1" dirty="0"/>
+                  <a:rPr kumimoji="1" lang="en-US" altLang="zh-CN" b="1" dirty="0"/>
                   <a:t>.name, </a:t>
                 </a:r>
                 <a14:m>
@@ -26078,16 +26018,16 @@
             </p:nvSpPr>
             <p:spPr>
               <a:xfrm>
-                <a:off x="16102140" y="6628299"/>
+                <a:off x="26663830" y="7011758"/>
                 <a:ext cx="5839467" cy="400625"/>
               </a:xfrm>
               <a:prstGeom prst="rect">
                 <a:avLst/>
               </a:prstGeom>
               <a:blipFill>
-                <a:blip r:embed="rId44"/>
+                <a:blip r:embed="rId42"/>
                 <a:stretch>
-                  <a:fillRect l="-868" t="-9091" b="-15152"/>
+                  <a:fillRect l="-868" t="-9375" b="-15625"/>
                 </a:stretch>
               </a:blipFill>
             </p:spPr>
@@ -26123,13 +26063,13 @@
               <p:nvPr>
                 <p:extLst>
                   <p:ext uri="{D42A27DB-BD31-4B8C-83A1-F6EECF244321}">
-                    <p14:modId xmlns:p14="http://schemas.microsoft.com/office/powerpoint/2010/main" val="1318516398"/>
+                    <p14:modId xmlns:p14="http://schemas.microsoft.com/office/powerpoint/2010/main" val="3061207392"/>
                   </p:ext>
                 </p:extLst>
               </p:nvPr>
             </p:nvGraphicFramePr>
             <p:xfrm>
-              <a:off x="20887027" y="7256112"/>
+              <a:off x="31448716" y="7639571"/>
               <a:ext cx="2282466" cy="1787207"/>
             </p:xfrm>
             <a:graphic>
@@ -27298,13 +27238,13 @@
               <p:nvPr>
                 <p:extLst>
                   <p:ext uri="{D42A27DB-BD31-4B8C-83A1-F6EECF244321}">
-                    <p14:modId xmlns:p14="http://schemas.microsoft.com/office/powerpoint/2010/main" val="1318516398"/>
+                    <p14:modId xmlns:p14="http://schemas.microsoft.com/office/powerpoint/2010/main" val="3061207392"/>
                   </p:ext>
                 </p:extLst>
               </p:nvPr>
             </p:nvGraphicFramePr>
             <p:xfrm>
-              <a:off x="20887027" y="7256112"/>
+              <a:off x="31448716" y="7639571"/>
               <a:ext cx="2282466" cy="1787207"/>
             </p:xfrm>
             <a:graphic>
@@ -27660,9 +27600,9 @@
                           <a:prstDash val="solid"/>
                         </a:lnBlToTr>
                         <a:blipFill>
-                          <a:blip r:embed="rId45"/>
+                          <a:blip r:embed="rId43"/>
                           <a:stretch>
-                            <a:fillRect l="-134694" t="-93103" r="-136735" b="-324138"/>
+                            <a:fillRect l="-134694" t="-93103" r="-138776" b="-327586"/>
                           </a:stretch>
                         </a:blipFill>
                       </a:tcPr>
@@ -27850,9 +27790,9 @@
                           <a:prstDash val="solid"/>
                         </a:lnBlToTr>
                         <a:blipFill>
-                          <a:blip r:embed="rId45"/>
+                          <a:blip r:embed="rId43"/>
                           <a:stretch>
-                            <a:fillRect l="-134694" t="-193103" r="-136735" b="-224138"/>
+                            <a:fillRect l="-134694" t="-193103" r="-138776" b="-227586"/>
                           </a:stretch>
                         </a:blipFill>
                       </a:tcPr>
@@ -28040,9 +27980,9 @@
                           <a:prstDash val="solid"/>
                         </a:lnBlToTr>
                         <a:blipFill>
-                          <a:blip r:embed="rId45"/>
+                          <a:blip r:embed="rId43"/>
                           <a:stretch>
-                            <a:fillRect l="-134694" t="-293103" r="-136735" b="-124138"/>
+                            <a:fillRect l="-134694" t="-293103" r="-138776" b="-127586"/>
                           </a:stretch>
                         </a:blipFill>
                       </a:tcPr>
@@ -28230,9 +28170,9 @@
                           <a:prstDash val="solid"/>
                         </a:lnBlToTr>
                         <a:blipFill>
-                          <a:blip r:embed="rId45"/>
+                          <a:blip r:embed="rId43"/>
                           <a:stretch>
-                            <a:fillRect l="-134694" t="-393103" r="-136735" b="-24138"/>
+                            <a:fillRect l="-134694" t="-393103" r="-138776" b="-27586"/>
                           </a:stretch>
                         </a:blipFill>
                       </a:tcPr>
@@ -28329,13 +28269,13 @@
               <p:nvPr>
                 <p:extLst>
                   <p:ext uri="{D42A27DB-BD31-4B8C-83A1-F6EECF244321}">
-                    <p14:modId xmlns:p14="http://schemas.microsoft.com/office/powerpoint/2010/main" val="1097118535"/>
+                    <p14:modId xmlns:p14="http://schemas.microsoft.com/office/powerpoint/2010/main" val="194221909"/>
                   </p:ext>
                 </p:extLst>
               </p:nvPr>
             </p:nvGraphicFramePr>
             <p:xfrm>
-              <a:off x="24272008" y="8693189"/>
+              <a:off x="34833698" y="9076647"/>
               <a:ext cx="2817975" cy="1463040"/>
             </p:xfrm>
             <a:graphic>
@@ -29130,13 +29070,13 @@
               <p:nvPr>
                 <p:extLst>
                   <p:ext uri="{D42A27DB-BD31-4B8C-83A1-F6EECF244321}">
-                    <p14:modId xmlns:p14="http://schemas.microsoft.com/office/powerpoint/2010/main" val="1097118535"/>
+                    <p14:modId xmlns:p14="http://schemas.microsoft.com/office/powerpoint/2010/main" val="194221909"/>
                   </p:ext>
                 </p:extLst>
               </p:nvPr>
             </p:nvGraphicFramePr>
             <p:xfrm>
-              <a:off x="24272008" y="8693189"/>
+              <a:off x="34833698" y="9076647"/>
               <a:ext cx="2817975" cy="1463040"/>
             </p:xfrm>
             <a:graphic>
@@ -29373,9 +29313,9 @@
                           <a:prstDash val="solid"/>
                         </a:lnBlToTr>
                         <a:blipFill>
-                          <a:blip r:embed="rId46"/>
+                          <a:blip r:embed="rId44"/>
                           <a:stretch>
-                            <a:fillRect l="-820" t="-106897" r="-83607" b="-227586"/>
+                            <a:fillRect t="-106897" r="-83607" b="-231034"/>
                           </a:stretch>
                         </a:blipFill>
                       </a:tcPr>
@@ -29526,9 +29466,9 @@
                           <a:prstDash val="solid"/>
                         </a:lnBlToTr>
                         <a:blipFill>
-                          <a:blip r:embed="rId46"/>
+                          <a:blip r:embed="rId44"/>
                           <a:stretch>
-                            <a:fillRect l="-820" t="-206897" r="-83607" b="-127586"/>
+                            <a:fillRect t="-206897" r="-83607" b="-131034"/>
                           </a:stretch>
                         </a:blipFill>
                       </a:tcPr>
@@ -29676,9 +29616,9 @@
                           <a:prstDash val="solid"/>
                         </a:lnBlToTr>
                         <a:blipFill>
-                          <a:blip r:embed="rId46"/>
+                          <a:blip r:embed="rId44"/>
                           <a:stretch>
-                            <a:fillRect l="-820" t="-306897" r="-83607" b="-27586"/>
+                            <a:fillRect t="-306897" r="-83607" b="-31034"/>
                           </a:stretch>
                         </a:blipFill>
                       </a:tcPr>
@@ -29793,7 +29733,7 @@
         </p:nvSpPr>
         <p:spPr>
           <a:xfrm>
-            <a:off x="25247252" y="8323858"/>
+            <a:off x="35808942" y="8707316"/>
             <a:ext cx="787395" cy="369332"/>
           </a:xfrm>
           <a:prstGeom prst="rect">
@@ -29835,7 +29775,7 @@
         </p:nvSpPr>
         <p:spPr>
           <a:xfrm>
-            <a:off x="23774491" y="7954527"/>
+            <a:off x="34336181" y="8337986"/>
             <a:ext cx="3645357" cy="369331"/>
           </a:xfrm>
           <a:prstGeom prst="rightArrow">
@@ -29881,7 +29821,7 @@
         </p:nvSpPr>
         <p:spPr>
           <a:xfrm>
-            <a:off x="24849709" y="7585195"/>
+            <a:off x="35411398" y="7968653"/>
             <a:ext cx="1582484" cy="369332"/>
           </a:xfrm>
           <a:prstGeom prst="rect">
@@ -29922,13 +29862,13 @@
               <p:nvPr>
                 <p:extLst>
                   <p:ext uri="{D42A27DB-BD31-4B8C-83A1-F6EECF244321}">
-                    <p14:modId xmlns:p14="http://schemas.microsoft.com/office/powerpoint/2010/main" val="1738750660"/>
+                    <p14:modId xmlns:p14="http://schemas.microsoft.com/office/powerpoint/2010/main" val="1823442021"/>
                   </p:ext>
                 </p:extLst>
               </p:nvPr>
             </p:nvGraphicFramePr>
             <p:xfrm>
-              <a:off x="27624575" y="7200106"/>
+              <a:off x="38186265" y="7583565"/>
               <a:ext cx="4446045" cy="1787207"/>
             </p:xfrm>
             <a:graphic>
@@ -31886,13 +31826,13 @@
               <p:nvPr>
                 <p:extLst>
                   <p:ext uri="{D42A27DB-BD31-4B8C-83A1-F6EECF244321}">
-                    <p14:modId xmlns:p14="http://schemas.microsoft.com/office/powerpoint/2010/main" val="1738750660"/>
+                    <p14:modId xmlns:p14="http://schemas.microsoft.com/office/powerpoint/2010/main" val="1823442021"/>
                   </p:ext>
                 </p:extLst>
               </p:nvPr>
             </p:nvGraphicFramePr>
             <p:xfrm>
-              <a:off x="27624575" y="7200106"/>
+              <a:off x="38186265" y="7583565"/>
               <a:ext cx="4446045" cy="1787207"/>
             </p:xfrm>
             <a:graphic>
@@ -32406,9 +32346,9 @@
                           <a:prstDash val="solid"/>
                         </a:lnBlToTr>
                         <a:blipFill>
-                          <a:blip r:embed="rId47"/>
+                          <a:blip r:embed="rId45"/>
                           <a:stretch>
-                            <a:fillRect l="-136735" t="-93103" r="-483673" b="-327586"/>
+                            <a:fillRect l="-134694" t="-96429" r="-485714" b="-339286"/>
                           </a:stretch>
                         </a:blipFill>
                       </a:tcPr>
@@ -32524,9 +32464,9 @@
                           <a:prstDash val="solid"/>
                         </a:lnBlToTr>
                         <a:blipFill>
-                          <a:blip r:embed="rId47"/>
+                          <a:blip r:embed="rId45"/>
                           <a:stretch>
-                            <a:fillRect l="-231646" t="-93103" r="-115190" b="-327586"/>
+                            <a:fillRect l="-230380" t="-96429" r="-116456" b="-339286"/>
                           </a:stretch>
                         </a:blipFill>
                       </a:tcPr>
@@ -32721,9 +32661,9 @@
                           <a:prstDash val="solid"/>
                         </a:lnBlToTr>
                         <a:blipFill>
-                          <a:blip r:embed="rId47"/>
+                          <a:blip r:embed="rId45"/>
                           <a:stretch>
-                            <a:fillRect l="-136735" t="-193103" r="-483673" b="-227586"/>
+                            <a:fillRect l="-134694" t="-189655" r="-485714" b="-227586"/>
                           </a:stretch>
                         </a:blipFill>
                       </a:tcPr>
@@ -32839,9 +32779,9 @@
                           <a:prstDash val="solid"/>
                         </a:lnBlToTr>
                         <a:blipFill>
-                          <a:blip r:embed="rId47"/>
+                          <a:blip r:embed="rId45"/>
                           <a:stretch>
-                            <a:fillRect l="-231646" t="-193103" r="-115190" b="-227586"/>
+                            <a:fillRect l="-230380" t="-189655" r="-116456" b="-227586"/>
                           </a:stretch>
                         </a:blipFill>
                       </a:tcPr>
@@ -33033,9 +32973,9 @@
                           <a:prstDash val="solid"/>
                         </a:lnBlToTr>
                         <a:blipFill>
-                          <a:blip r:embed="rId47"/>
+                          <a:blip r:embed="rId45"/>
                           <a:stretch>
-                            <a:fillRect l="-136735" t="-293103" r="-483673" b="-127586"/>
+                            <a:fillRect l="-134694" t="-289655" r="-485714" b="-127586"/>
                           </a:stretch>
                         </a:blipFill>
                       </a:tcPr>
@@ -33151,9 +33091,9 @@
                           <a:prstDash val="solid"/>
                         </a:lnBlToTr>
                         <a:blipFill>
-                          <a:blip r:embed="rId47"/>
+                          <a:blip r:embed="rId45"/>
                           <a:stretch>
-                            <a:fillRect l="-231646" t="-293103" r="-115190" b="-127586"/>
+                            <a:fillRect l="-230380" t="-289655" r="-116456" b="-127586"/>
                           </a:stretch>
                         </a:blipFill>
                       </a:tcPr>
@@ -33345,9 +33285,9 @@
                           <a:prstDash val="solid"/>
                         </a:lnBlToTr>
                         <a:blipFill>
-                          <a:blip r:embed="rId47"/>
+                          <a:blip r:embed="rId45"/>
                           <a:stretch>
-                            <a:fillRect l="-136735" t="-393103" r="-483673" b="-27586"/>
+                            <a:fillRect l="-134694" t="-389655" r="-485714" b="-27586"/>
                           </a:stretch>
                         </a:blipFill>
                       </a:tcPr>
@@ -33463,9 +33403,9 @@
                           <a:prstDash val="solid"/>
                         </a:lnBlToTr>
                         <a:blipFill>
-                          <a:blip r:embed="rId47"/>
+                          <a:blip r:embed="rId45"/>
                           <a:stretch>
-                            <a:fillRect l="-231646" t="-393103" r="-115190" b="-27586"/>
+                            <a:fillRect l="-230380" t="-389655" r="-116456" b="-27586"/>
                           </a:stretch>
                         </a:blipFill>
                       </a:tcPr>
@@ -33563,7 +33503,7 @@
         </p:nvSpPr>
         <p:spPr>
           <a:xfrm rot="16200000">
-            <a:off x="29519179" y="6491393"/>
+            <a:off x="40080869" y="6874852"/>
             <a:ext cx="718335" cy="430831"/>
           </a:xfrm>
           <a:prstGeom prst="rightArrow">
@@ -33609,7 +33549,7 @@
         </p:nvSpPr>
         <p:spPr>
           <a:xfrm>
-            <a:off x="30181015" y="6579043"/>
+            <a:off x="40742705" y="6962501"/>
             <a:ext cx="1800493" cy="369332"/>
           </a:xfrm>
           <a:prstGeom prst="rect">
@@ -33650,13 +33590,13 @@
               <p:nvPr>
                 <p:extLst>
                   <p:ext uri="{D42A27DB-BD31-4B8C-83A1-F6EECF244321}">
-                    <p14:modId xmlns:p14="http://schemas.microsoft.com/office/powerpoint/2010/main" val="4050259277"/>
+                    <p14:modId xmlns:p14="http://schemas.microsoft.com/office/powerpoint/2010/main" val="1725982942"/>
                   </p:ext>
                 </p:extLst>
               </p:nvPr>
             </p:nvGraphicFramePr>
             <p:xfrm>
-              <a:off x="27655323" y="5552129"/>
+              <a:off x="38217013" y="5935588"/>
               <a:ext cx="4446045" cy="689927"/>
             </p:xfrm>
             <a:graphic>
@@ -34462,13 +34402,13 @@
               <p:nvPr>
                 <p:extLst>
                   <p:ext uri="{D42A27DB-BD31-4B8C-83A1-F6EECF244321}">
-                    <p14:modId xmlns:p14="http://schemas.microsoft.com/office/powerpoint/2010/main" val="4050259277"/>
+                    <p14:modId xmlns:p14="http://schemas.microsoft.com/office/powerpoint/2010/main" val="1725982942"/>
                   </p:ext>
                 </p:extLst>
               </p:nvPr>
             </p:nvGraphicFramePr>
             <p:xfrm>
-              <a:off x="27655323" y="5552129"/>
+              <a:off x="38217013" y="5935588"/>
               <a:ext cx="4446045" cy="689927"/>
             </p:xfrm>
             <a:graphic>
@@ -34982,9 +34922,9 @@
                           <a:prstDash val="solid"/>
                         </a:lnBlToTr>
                         <a:blipFill>
-                          <a:blip r:embed="rId48"/>
+                          <a:blip r:embed="rId46"/>
                           <a:stretch>
-                            <a:fillRect l="-136735" t="-93103" r="-485714" b="-27586"/>
+                            <a:fillRect l="-136735" t="-93103" r="-483673" b="-27586"/>
                           </a:stretch>
                         </a:blipFill>
                       </a:tcPr>
@@ -35100,9 +35040,9 @@
                           <a:prstDash val="solid"/>
                         </a:lnBlToTr>
                         <a:blipFill>
-                          <a:blip r:embed="rId48"/>
+                          <a:blip r:embed="rId46"/>
                           <a:stretch>
-                            <a:fillRect l="-231646" t="-93103" r="-116456" b="-27586"/>
+                            <a:fillRect l="-231646" t="-93103" r="-115190" b="-27586"/>
                           </a:stretch>
                         </a:blipFill>
                       </a:tcPr>
@@ -35204,13 +35144,13 @@
           <p:nvPr>
             <p:extLst>
               <p:ext uri="{D42A27DB-BD31-4B8C-83A1-F6EECF244321}">
-                <p14:modId xmlns:p14="http://schemas.microsoft.com/office/powerpoint/2010/main" val="730140115"/>
+                <p14:modId xmlns:p14="http://schemas.microsoft.com/office/powerpoint/2010/main" val="1186391422"/>
               </p:ext>
             </p:extLst>
           </p:nvPr>
         </p:nvGraphicFramePr>
         <p:xfrm>
-          <a:off x="28980063" y="3943358"/>
+          <a:off x="39541752" y="4326817"/>
           <a:ext cx="1681324" cy="689927"/>
         </p:xfrm>
         <a:graphic>
@@ -35530,7 +35470,7 @@
         </p:nvSpPr>
         <p:spPr>
           <a:xfrm rot="16200000">
-            <a:off x="29520750" y="4893982"/>
+            <a:off x="40082439" y="5277441"/>
             <a:ext cx="653694" cy="430831"/>
           </a:xfrm>
           <a:prstGeom prst="rightArrow">
@@ -35576,7 +35516,7 @@
         </p:nvSpPr>
         <p:spPr>
           <a:xfrm>
-            <a:off x="30300874" y="4962498"/>
+            <a:off x="40862564" y="5345956"/>
             <a:ext cx="1877437" cy="369332"/>
           </a:xfrm>
           <a:prstGeom prst="rect">
@@ -35597,6 +35537,245 @@
               </a:rPr>
               <a:t>Project Operator</a:t>
             </a:r>
+          </a:p>
+        </p:txBody>
+      </p:sp>
+      <p:pic>
+        <p:nvPicPr>
+          <p:cNvPr id="248" name="图片 247">
+            <a:extLst>
+              <a:ext uri="{FF2B5EF4-FFF2-40B4-BE49-F238E27FC236}">
+                <a16:creationId xmlns:a16="http://schemas.microsoft.com/office/drawing/2014/main" id="{02F4C90F-AB0B-77DF-E19D-1B0E094FAE81}"/>
+              </a:ext>
+            </a:extLst>
+          </p:cNvPr>
+          <p:cNvPicPr>
+            <a:picLocks noChangeAspect="1"/>
+          </p:cNvPicPr>
+          <p:nvPr/>
+        </p:nvPicPr>
+        <p:blipFill>
+          <a:blip r:embed="rId47"/>
+          <a:stretch>
+            <a:fillRect/>
+          </a:stretch>
+        </p:blipFill>
+        <p:spPr>
+          <a:xfrm>
+            <a:off x="2294618" y="4219374"/>
+            <a:ext cx="7137400" cy="4394200"/>
+          </a:xfrm>
+          <a:prstGeom prst="rect">
+            <a:avLst/>
+          </a:prstGeom>
+        </p:spPr>
+      </p:pic>
+      <p:pic>
+        <p:nvPicPr>
+          <p:cNvPr id="252" name="图片 251">
+            <a:extLst>
+              <a:ext uri="{FF2B5EF4-FFF2-40B4-BE49-F238E27FC236}">
+                <a16:creationId xmlns:a16="http://schemas.microsoft.com/office/drawing/2014/main" id="{5D403158-A899-C21F-3981-B5517DD2A65A}"/>
+              </a:ext>
+            </a:extLst>
+          </p:cNvPr>
+          <p:cNvPicPr>
+            <a:picLocks noChangeAspect="1"/>
+          </p:cNvPicPr>
+          <p:nvPr/>
+        </p:nvPicPr>
+        <p:blipFill>
+          <a:blip r:embed="rId48"/>
+          <a:stretch>
+            <a:fillRect/>
+          </a:stretch>
+        </p:blipFill>
+        <p:spPr>
+          <a:xfrm>
+            <a:off x="2356244" y="1312245"/>
+            <a:ext cx="5908073" cy="2644893"/>
+          </a:xfrm>
+          <a:prstGeom prst="rect">
+            <a:avLst/>
+          </a:prstGeom>
+        </p:spPr>
+      </p:pic>
+      <p:sp>
+        <p:nvSpPr>
+          <p:cNvPr id="253" name="文本框 252">
+            <a:extLst>
+              <a:ext uri="{FF2B5EF4-FFF2-40B4-BE49-F238E27FC236}">
+                <a16:creationId xmlns:a16="http://schemas.microsoft.com/office/drawing/2014/main" id="{380ABA1B-0935-4E27-981F-6546DFC34D1B}"/>
+              </a:ext>
+            </a:extLst>
+          </p:cNvPr>
+          <p:cNvSpPr txBox="1"/>
+          <p:nvPr/>
+        </p:nvSpPr>
+        <p:spPr>
+          <a:xfrm>
+            <a:off x="4723260" y="8903558"/>
+            <a:ext cx="587020" cy="523220"/>
+          </a:xfrm>
+          <a:prstGeom prst="rect">
+            <a:avLst/>
+          </a:prstGeom>
+          <a:noFill/>
+        </p:spPr>
+        <p:txBody>
+          <a:bodyPr wrap="none" rtlCol="0">
+            <a:spAutoFit/>
+          </a:bodyPr>
+          <a:lstStyle/>
+          <a:p>
+            <a:r>
+              <a:rPr kumimoji="1" lang="en-US" altLang="zh-CN" sz="2800" b="1" dirty="0"/>
+              <a:t>(a)</a:t>
+            </a:r>
+            <a:endParaRPr kumimoji="1" lang="zh-CN" altLang="en-US" sz="2800" b="1" dirty="0"/>
+          </a:p>
+        </p:txBody>
+      </p:sp>
+      <p:pic>
+        <p:nvPicPr>
+          <p:cNvPr id="254" name="图片 253">
+            <a:extLst>
+              <a:ext uri="{FF2B5EF4-FFF2-40B4-BE49-F238E27FC236}">
+                <a16:creationId xmlns:a16="http://schemas.microsoft.com/office/drawing/2014/main" id="{2750B431-B48B-DE79-56B6-CF46AD3A4092}"/>
+              </a:ext>
+            </a:extLst>
+          </p:cNvPr>
+          <p:cNvPicPr>
+            <a:picLocks noChangeAspect="1"/>
+          </p:cNvPicPr>
+          <p:nvPr/>
+        </p:nvPicPr>
+        <p:blipFill>
+          <a:blip r:embed="rId49"/>
+          <a:stretch>
+            <a:fillRect/>
+          </a:stretch>
+        </p:blipFill>
+        <p:spPr>
+          <a:xfrm>
+            <a:off x="12037176" y="7829869"/>
+            <a:ext cx="7747000" cy="4051300"/>
+          </a:xfrm>
+          <a:prstGeom prst="rect">
+            <a:avLst/>
+          </a:prstGeom>
+        </p:spPr>
+      </p:pic>
+      <p:pic>
+        <p:nvPicPr>
+          <p:cNvPr id="255" name="图片 254">
+            <a:extLst>
+              <a:ext uri="{FF2B5EF4-FFF2-40B4-BE49-F238E27FC236}">
+                <a16:creationId xmlns:a16="http://schemas.microsoft.com/office/drawing/2014/main" id="{A80F3936-D637-385D-448B-DDC61BA81C0A}"/>
+              </a:ext>
+            </a:extLst>
+          </p:cNvPr>
+          <p:cNvPicPr>
+            <a:picLocks noChangeAspect="1"/>
+          </p:cNvPicPr>
+          <p:nvPr/>
+        </p:nvPicPr>
+        <p:blipFill>
+          <a:blip r:embed="rId50"/>
+          <a:stretch>
+            <a:fillRect/>
+          </a:stretch>
+        </p:blipFill>
+        <p:spPr>
+          <a:xfrm>
+            <a:off x="19975641" y="7165829"/>
+            <a:ext cx="5679690" cy="5655725"/>
+          </a:xfrm>
+          <a:prstGeom prst="rect">
+            <a:avLst/>
+          </a:prstGeom>
+        </p:spPr>
+      </p:pic>
+      <p:sp>
+        <p:nvSpPr>
+          <p:cNvPr id="256" name="文本框 255">
+            <a:extLst>
+              <a:ext uri="{FF2B5EF4-FFF2-40B4-BE49-F238E27FC236}">
+                <a16:creationId xmlns:a16="http://schemas.microsoft.com/office/drawing/2014/main" id="{D31BAAF5-B839-2A50-7EA6-82FA2E915A0C}"/>
+              </a:ext>
+            </a:extLst>
+          </p:cNvPr>
+          <p:cNvSpPr txBox="1"/>
+          <p:nvPr/>
+        </p:nvSpPr>
+        <p:spPr>
+          <a:xfrm>
+            <a:off x="17277944" y="6828657"/>
+            <a:ext cx="601447" cy="523220"/>
+          </a:xfrm>
+          <a:prstGeom prst="rect">
+            <a:avLst/>
+          </a:prstGeom>
+          <a:noFill/>
+        </p:spPr>
+        <p:txBody>
+          <a:bodyPr wrap="none" rtlCol="0">
+            <a:spAutoFit/>
+          </a:bodyPr>
+          <a:lstStyle/>
+          <a:p>
+            <a:r>
+              <a:rPr kumimoji="1" lang="en-US" altLang="zh-CN" sz="2800" b="1" dirty="0"/>
+              <a:t>(b)</a:t>
+            </a:r>
+            <a:endParaRPr kumimoji="1" lang="zh-CN" altLang="en-US" sz="2800" b="1" dirty="0"/>
+          </a:p>
+        </p:txBody>
+      </p:sp>
+      <p:sp>
+        <p:nvSpPr>
+          <p:cNvPr id="257" name="矩形 256">
+            <a:extLst>
+              <a:ext uri="{FF2B5EF4-FFF2-40B4-BE49-F238E27FC236}">
+                <a16:creationId xmlns:a16="http://schemas.microsoft.com/office/drawing/2014/main" id="{985E0A5C-6522-2BF1-4943-49027A17D7E4}"/>
+              </a:ext>
+            </a:extLst>
+          </p:cNvPr>
+          <p:cNvSpPr/>
+          <p:nvPr/>
+        </p:nvSpPr>
+        <p:spPr>
+          <a:xfrm>
+            <a:off x="2231744" y="968061"/>
+            <a:ext cx="7249737" cy="7739255"/>
+          </a:xfrm>
+          <a:prstGeom prst="rect">
+            <a:avLst/>
+          </a:prstGeom>
+          <a:noFill/>
+        </p:spPr>
+        <p:style>
+          <a:lnRef idx="2">
+            <a:schemeClr val="accent1">
+              <a:shade val="15000"/>
+            </a:schemeClr>
+          </a:lnRef>
+          <a:fillRef idx="1">
+            <a:schemeClr val="accent1"/>
+          </a:fillRef>
+          <a:effectRef idx="0">
+            <a:schemeClr val="accent1"/>
+          </a:effectRef>
+          <a:fontRef idx="minor">
+            <a:schemeClr val="lt1"/>
+          </a:fontRef>
+        </p:style>
+        <p:txBody>
+          <a:bodyPr rtlCol="0" anchor="ctr"/>
+          <a:lstStyle/>
+          <a:p>
+            <a:pPr algn="ctr"/>
+            <a:endParaRPr kumimoji="1" lang="zh-CN" altLang="en-US" dirty="0"/>
           </a:p>
         </p:txBody>
       </p:sp>
